--- a/doc/ts实践总结&ts3特性.pptx
+++ b/doc/ts实践总结&ts3特性.pptx
@@ -229,7 +229,7 @@
           <a:p>
             <a:fld id="{B7AF9972-A990-42BF-914C-8A257AAE07D8}" type="datetimeFigureOut">
               <a:rPr lang="zh-CN" altLang="en-US" smtClean="0"/>
-              <a:t>2018/10/22</a:t>
+              <a:t>2018/10/23</a:t>
             </a:fld>
             <a:endParaRPr lang="zh-CN" altLang="en-US"/>
           </a:p>
@@ -3825,16 +3825,6 @@
               <a:buChar char="p"/>
             </a:pPr>
             <a:r>
-              <a:rPr lang="zh-CN" altLang="en-US" sz="3600" dirty="0">
-                <a:solidFill>
-                  <a:schemeClr val="bg1"/>
-                </a:solidFill>
-                <a:latin typeface="华康俪金黑W8(P)" panose="020B0800000000000000" pitchFamily="34" charset="-122"/>
-                <a:ea typeface="华康俪金黑W8(P)" panose="020B0800000000000000" pitchFamily="34" charset="-122"/>
-              </a:rPr>
-              <a:t>  </a:t>
-            </a:r>
-            <a:r>
               <a:rPr lang="en-US" altLang="zh-CN" sz="3600" dirty="0">
                 <a:solidFill>
                   <a:schemeClr val="bg1"/>
@@ -3881,18 +3871,15 @@
                 <a:latin typeface="华康俪金黑W8(P)" panose="020B0800000000000000" pitchFamily="34" charset="-122"/>
                 <a:ea typeface="华康俪金黑W8(P)" panose="020B0800000000000000" pitchFamily="34" charset="-122"/>
               </a:rPr>
-              <a:t> 例子</a:t>
+              <a:t>装饰器实践</a:t>
             </a:r>
-            <a:r>
-              <a:rPr lang="en-US" altLang="zh-CN" sz="3600" dirty="0">
-                <a:solidFill>
-                  <a:schemeClr val="bg1"/>
-                </a:solidFill>
-                <a:latin typeface="华康俪金黑W8(P)" panose="020B0800000000000000" pitchFamily="34" charset="-122"/>
-                <a:ea typeface="华康俪金黑W8(P)" panose="020B0800000000000000" pitchFamily="34" charset="-122"/>
-              </a:rPr>
-              <a:t>2</a:t>
-            </a:r>
+            <a:endParaRPr lang="en-US" altLang="zh-CN" sz="3600" dirty="0">
+              <a:solidFill>
+                <a:schemeClr val="bg1"/>
+              </a:solidFill>
+              <a:latin typeface="华康俪金黑W8(P)" panose="020B0800000000000000" pitchFamily="34" charset="-122"/>
+              <a:ea typeface="华康俪金黑W8(P)" panose="020B0800000000000000" pitchFamily="34" charset="-122"/>
+            </a:endParaRPr>
           </a:p>
           <a:p>
             <a:pPr marL="571500" indent="-571500">
@@ -3910,7 +3897,7 @@
                 <a:latin typeface="华康俪金黑W8(P)" panose="020B0800000000000000" pitchFamily="34" charset="-122"/>
                 <a:ea typeface="华康俪金黑W8(P)" panose="020B0800000000000000" pitchFamily="34" charset="-122"/>
               </a:rPr>
-              <a:t>  例子</a:t>
+              <a:t>例子</a:t>
             </a:r>
             <a:r>
               <a:rPr lang="en-US" altLang="zh-CN" sz="3600" dirty="0">

--- a/doc/ts实践总结&ts3特性.pptx
+++ b/doc/ts实践总结&ts3特性.pptx
@@ -229,7 +229,7 @@
           <a:p>
             <a:fld id="{B7AF9972-A990-42BF-914C-8A257AAE07D8}" type="datetimeFigureOut">
               <a:rPr lang="zh-CN" altLang="en-US" smtClean="0"/>
-              <a:t>2018/10/23</a:t>
+              <a:t>2018/10/24</a:t>
             </a:fld>
             <a:endParaRPr lang="zh-CN" altLang="en-US"/>
           </a:p>
@@ -4611,9 +4611,9 @@
         <p:grpSpPr>
           <a:xfrm>
             <a:off x="1093089" y="1124028"/>
-            <a:ext cx="3007182" cy="1267398"/>
+            <a:ext cx="2963286" cy="1233799"/>
             <a:chOff x="9028689" y="1290067"/>
-            <a:chExt cx="3007182" cy="1267398"/>
+            <a:chExt cx="2963286" cy="1233799"/>
           </a:xfrm>
         </p:grpSpPr>
         <p:sp>
@@ -4625,7 +4625,7 @@
           <p:spPr>
             <a:xfrm>
               <a:off x="9028689" y="1744935"/>
-              <a:ext cx="2963286" cy="812530"/>
+              <a:ext cx="2963286" cy="778931"/>
             </a:xfrm>
             <a:prstGeom prst="rect">
               <a:avLst/>
@@ -4650,17 +4650,17 @@
                   <a:latin typeface="微软雅黑" panose="020B0503020204020204" pitchFamily="34" charset="-122"/>
                   <a:ea typeface="微软雅黑" panose="020B0503020204020204" pitchFamily="34" charset="-122"/>
                 </a:rPr>
-                <a:t>上海锐普广告有限公司是中国第一家精品</a:t>
+                <a:t>让一个</a:t>
               </a:r>
               <a:r>
-                <a:rPr lang="en-US" altLang="zh-CN" dirty="0" err="1">
+                <a:rPr lang="en-US" altLang="zh-CN" dirty="0">
                   <a:solidFill>
                     <a:srgbClr val="3B3E47"/>
                   </a:solidFill>
                   <a:latin typeface="微软雅黑" panose="020B0503020204020204" pitchFamily="34" charset="-122"/>
                   <a:ea typeface="微软雅黑" panose="020B0503020204020204" pitchFamily="34" charset="-122"/>
                 </a:rPr>
-                <a:t>ppt</a:t>
+                <a:t>TypeScript</a:t>
               </a:r>
               <a:r>
                 <a:rPr lang="zh-CN" altLang="en-US" dirty="0">
@@ -4670,9 +4670,28 @@
                   <a:latin typeface="微软雅黑" panose="020B0503020204020204" pitchFamily="34" charset="-122"/>
                   <a:ea typeface="微软雅黑" panose="020B0503020204020204" pitchFamily="34" charset="-122"/>
                 </a:rPr>
-                <a:t>设计机构</a:t>
+                <a:t>项目可以依赖于其他</a:t>
               </a:r>
-              <a:endParaRPr lang="zh-CN" altLang="en-US" dirty="0"/>
+              <a:r>
+                <a:rPr lang="en-US" altLang="zh-CN" dirty="0">
+                  <a:solidFill>
+                    <a:srgbClr val="3B3E47"/>
+                  </a:solidFill>
+                  <a:latin typeface="微软雅黑" panose="020B0503020204020204" pitchFamily="34" charset="-122"/>
+                  <a:ea typeface="微软雅黑" panose="020B0503020204020204" pitchFamily="34" charset="-122"/>
+                </a:rPr>
+                <a:t>TypeScript</a:t>
+              </a:r>
+              <a:r>
+                <a:rPr lang="zh-CN" altLang="en-US" dirty="0">
+                  <a:solidFill>
+                    <a:srgbClr val="3B3E47"/>
+                  </a:solidFill>
+                  <a:latin typeface="微软雅黑" panose="020B0503020204020204" pitchFamily="34" charset="-122"/>
+                  <a:ea typeface="微软雅黑" panose="020B0503020204020204" pitchFamily="34" charset="-122"/>
+                </a:rPr>
+                <a:t>项目</a:t>
+              </a:r>
             </a:p>
           </p:txBody>
         </p:sp>
@@ -4685,7 +4704,7 @@
           <p:spPr>
             <a:xfrm>
               <a:off x="10004546" y="1290067"/>
-              <a:ext cx="2031325" cy="461665"/>
+              <a:ext cx="1415772" cy="461665"/>
             </a:xfrm>
             <a:prstGeom prst="rect">
               <a:avLst/>
@@ -4705,7 +4724,7 @@
                   <a:latin typeface="华康俪金黑W8(P)" panose="020B0800000000000000" pitchFamily="34" charset="-122"/>
                   <a:ea typeface="华康俪金黑W8(P)" panose="020B0800000000000000" pitchFamily="34" charset="-122"/>
                 </a:rPr>
-                <a:t>上海锐普广告</a:t>
+                <a:t>项目引用</a:t>
               </a:r>
               <a:endParaRPr lang="zh-CN" altLang="en-US" sz="2400" dirty="0">
                 <a:latin typeface="华康俪金黑W8(P)" panose="020B0800000000000000" pitchFamily="34" charset="-122"/>
@@ -4723,10 +4742,10 @@
         </p:nvGrpSpPr>
         <p:grpSpPr>
           <a:xfrm>
-            <a:off x="226629" y="3324557"/>
-            <a:ext cx="2997657" cy="1267398"/>
-            <a:chOff x="9038214" y="1290067"/>
-            <a:chExt cx="2997657" cy="1267398"/>
+            <a:off x="226629" y="3310091"/>
+            <a:ext cx="2963286" cy="1251471"/>
+            <a:chOff x="9038214" y="1275601"/>
+            <a:chExt cx="2963286" cy="1251471"/>
           </a:xfrm>
         </p:grpSpPr>
         <p:sp>
@@ -4738,7 +4757,7 @@
           <p:spPr>
             <a:xfrm>
               <a:off x="9038214" y="1744935"/>
-              <a:ext cx="2963286" cy="812530"/>
+              <a:ext cx="2963286" cy="782137"/>
             </a:xfrm>
             <a:prstGeom prst="rect">
               <a:avLst/>
@@ -4750,7 +4769,7 @@
             </a:bodyPr>
             <a:lstStyle/>
             <a:p>
-              <a:pPr algn="dist">
+              <a:pPr algn="ctr">
                 <a:lnSpc>
                   <a:spcPct val="130000"/>
                 </a:lnSpc>
@@ -4763,27 +4782,7 @@
                   <a:latin typeface="微软雅黑" panose="020B0503020204020204" pitchFamily="34" charset="-122"/>
                   <a:ea typeface="微软雅黑" panose="020B0503020204020204" pitchFamily="34" charset="-122"/>
                 </a:rPr>
-                <a:t>上海锐普广告有限公司是中国第一家精品</a:t>
-              </a:r>
-              <a:r>
-                <a:rPr lang="en-US" altLang="zh-CN" dirty="0" err="1">
-                  <a:solidFill>
-                    <a:srgbClr val="3B3E47"/>
-                  </a:solidFill>
-                  <a:latin typeface="微软雅黑" panose="020B0503020204020204" pitchFamily="34" charset="-122"/>
-                  <a:ea typeface="微软雅黑" panose="020B0503020204020204" pitchFamily="34" charset="-122"/>
-                </a:rPr>
-                <a:t>ppt</a:t>
-              </a:r>
-              <a:r>
-                <a:rPr lang="zh-CN" altLang="en-US" dirty="0">
-                  <a:solidFill>
-                    <a:srgbClr val="3B3E47"/>
-                  </a:solidFill>
-                  <a:latin typeface="微软雅黑" panose="020B0503020204020204" pitchFamily="34" charset="-122"/>
-                  <a:ea typeface="微软雅黑" panose="020B0503020204020204" pitchFamily="34" charset="-122"/>
-                </a:rPr>
-                <a:t>设计机构</a:t>
+                <a:t>错误提示更智能，更清晰，更准确</a:t>
               </a:r>
               <a:endParaRPr lang="zh-CN" altLang="en-US" dirty="0"/>
             </a:p>
@@ -4797,8 +4796,8 @@
           </p:nvSpPr>
           <p:spPr>
             <a:xfrm>
-              <a:off x="10004546" y="1290067"/>
-              <a:ext cx="2031325" cy="461665"/>
+              <a:off x="9468312" y="1275601"/>
+              <a:ext cx="2459328" cy="461665"/>
             </a:xfrm>
             <a:prstGeom prst="rect">
               <a:avLst/>
@@ -4818,7 +4817,17 @@
                   <a:latin typeface="华康俪金黑W8(P)" panose="020B0800000000000000" pitchFamily="34" charset="-122"/>
                   <a:ea typeface="华康俪金黑W8(P)" panose="020B0800000000000000" pitchFamily="34" charset="-122"/>
                 </a:rPr>
-                <a:t>上海锐普广告</a:t>
+                <a:t>改进的错误和</a:t>
+              </a:r>
+              <a:r>
+                <a:rPr lang="en-US" altLang="zh-CN" sz="2400" dirty="0">
+                  <a:solidFill>
+                    <a:srgbClr val="3B3E47"/>
+                  </a:solidFill>
+                  <a:latin typeface="华康俪金黑W8(P)" panose="020B0800000000000000" pitchFamily="34" charset="-122"/>
+                  <a:ea typeface="华康俪金黑W8(P)" panose="020B0800000000000000" pitchFamily="34" charset="-122"/>
+                </a:rPr>
+                <a:t>UX</a:t>
               </a:r>
               <a:endParaRPr lang="zh-CN" altLang="en-US" sz="2400" dirty="0">
                 <a:latin typeface="华康俪金黑W8(P)" panose="020B0800000000000000" pitchFamily="34" charset="-122"/>
@@ -4836,10 +4845,10 @@
         </p:nvGrpSpPr>
         <p:grpSpPr>
           <a:xfrm>
-            <a:off x="1102614" y="5436174"/>
-            <a:ext cx="2997657" cy="1267398"/>
-            <a:chOff x="9038214" y="1290067"/>
-            <a:chExt cx="2997657" cy="1267398"/>
+            <a:off x="312258" y="5491592"/>
+            <a:ext cx="3785460" cy="1176907"/>
+            <a:chOff x="8247858" y="1345485"/>
+            <a:chExt cx="3785460" cy="1176907"/>
           </a:xfrm>
         </p:grpSpPr>
         <p:sp>
@@ -4850,8 +4859,8 @@
           </p:nvSpPr>
           <p:spPr>
             <a:xfrm>
-              <a:off x="9038214" y="1744935"/>
-              <a:ext cx="2963286" cy="812530"/>
+              <a:off x="8247858" y="1744935"/>
+              <a:ext cx="3753642" cy="777457"/>
             </a:xfrm>
             <a:prstGeom prst="rect">
               <a:avLst/>
@@ -4863,7 +4872,7 @@
             </a:bodyPr>
             <a:lstStyle/>
             <a:p>
-              <a:pPr algn="dist">
+              <a:pPr algn="ctr">
                 <a:lnSpc>
                   <a:spcPct val="130000"/>
                 </a:lnSpc>
@@ -4876,7 +4885,27 @@
                   <a:latin typeface="微软雅黑" panose="020B0503020204020204" pitchFamily="34" charset="-122"/>
                   <a:ea typeface="微软雅黑" panose="020B0503020204020204" pitchFamily="34" charset="-122"/>
                 </a:rPr>
-                <a:t>上海锐普广告有限公司是中国第一家精品</a:t>
+                <a:t>在</a:t>
+              </a:r>
+              <a:r>
+                <a:rPr lang="en-US" altLang="zh-CN" dirty="0">
+                  <a:solidFill>
+                    <a:srgbClr val="3B3E47"/>
+                  </a:solidFill>
+                  <a:latin typeface="微软雅黑" panose="020B0503020204020204" pitchFamily="34" charset="-122"/>
+                  <a:ea typeface="微软雅黑" panose="020B0503020204020204" pitchFamily="34" charset="-122"/>
+                </a:rPr>
+                <a:t>JSX</a:t>
+              </a:r>
+              <a:r>
+                <a:rPr lang="zh-CN" altLang="en-US" dirty="0">
+                  <a:solidFill>
+                    <a:srgbClr val="3B3E47"/>
+                  </a:solidFill>
+                  <a:latin typeface="微软雅黑" panose="020B0503020204020204" pitchFamily="34" charset="-122"/>
+                  <a:ea typeface="微软雅黑" panose="020B0503020204020204" pitchFamily="34" charset="-122"/>
+                </a:rPr>
+                <a:t>命名空间中引入了一个新的类型别名</a:t>
               </a:r>
               <a:r>
                 <a:rPr lang="en-US" altLang="zh-CN" dirty="0" err="1">
@@ -4886,19 +4915,12 @@
                   <a:latin typeface="微软雅黑" panose="020B0503020204020204" pitchFamily="34" charset="-122"/>
                   <a:ea typeface="微软雅黑" panose="020B0503020204020204" pitchFamily="34" charset="-122"/>
                 </a:rPr>
-                <a:t>ppt</a:t>
+                <a:t>LibraryManagedAttributes</a:t>
               </a:r>
-              <a:r>
-                <a:rPr lang="zh-CN" altLang="en-US" dirty="0">
-                  <a:solidFill>
-                    <a:srgbClr val="3B3E47"/>
-                  </a:solidFill>
-                  <a:latin typeface="微软雅黑" panose="020B0503020204020204" pitchFamily="34" charset="-122"/>
-                  <a:ea typeface="微软雅黑" panose="020B0503020204020204" pitchFamily="34" charset="-122"/>
-                </a:rPr>
-                <a:t>设计机构</a:t>
-              </a:r>
-              <a:endParaRPr lang="zh-CN" altLang="en-US" dirty="0"/>
+              <a:endParaRPr lang="zh-CN" altLang="en-US" dirty="0">
+                <a:latin typeface="微软雅黑" panose="020B0503020204020204" pitchFamily="34" charset="-122"/>
+                <a:ea typeface="微软雅黑" panose="020B0503020204020204" pitchFamily="34" charset="-122"/>
+              </a:endParaRPr>
             </a:p>
           </p:txBody>
         </p:sp>
@@ -4910,8 +4932,8 @@
           </p:nvSpPr>
           <p:spPr>
             <a:xfrm>
-              <a:off x="10004546" y="1290067"/>
-              <a:ext cx="2031325" cy="461665"/>
+              <a:off x="8247858" y="1345485"/>
+              <a:ext cx="3785460" cy="461665"/>
             </a:xfrm>
             <a:prstGeom prst="rect">
               <a:avLst/>
@@ -4931,7 +4953,37 @@
                   <a:latin typeface="华康俪金黑W8(P)" panose="020B0800000000000000" pitchFamily="34" charset="-122"/>
                   <a:ea typeface="华康俪金黑W8(P)" panose="020B0800000000000000" pitchFamily="34" charset="-122"/>
                 </a:rPr>
-                <a:t>上海锐普广告</a:t>
+                <a:t>支持</a:t>
+              </a:r>
+              <a:r>
+                <a:rPr lang="en-US" altLang="zh-CN" sz="2400" dirty="0">
+                  <a:solidFill>
+                    <a:srgbClr val="3B3E47"/>
+                  </a:solidFill>
+                  <a:latin typeface="华康俪金黑W8(P)" panose="020B0800000000000000" pitchFamily="34" charset="-122"/>
+                  <a:ea typeface="华康俪金黑W8(P)" panose="020B0800000000000000" pitchFamily="34" charset="-122"/>
+                </a:rPr>
+                <a:t>JSX</a:t>
+              </a:r>
+              <a:r>
+                <a:rPr lang="zh-CN" altLang="en-US" sz="2400" dirty="0">
+                  <a:solidFill>
+                    <a:srgbClr val="3B3E47"/>
+                  </a:solidFill>
+                  <a:latin typeface="华康俪金黑W8(P)" panose="020B0800000000000000" pitchFamily="34" charset="-122"/>
+                  <a:ea typeface="华康俪金黑W8(P)" panose="020B0800000000000000" pitchFamily="34" charset="-122"/>
+                </a:rPr>
+                <a:t>中的</a:t>
+              </a:r>
+              <a:r>
+                <a:rPr lang="en-US" altLang="zh-CN" sz="2400" dirty="0" err="1">
+                  <a:solidFill>
+                    <a:srgbClr val="3B3E47"/>
+                  </a:solidFill>
+                  <a:latin typeface="华康俪金黑W8(P)" panose="020B0800000000000000" pitchFamily="34" charset="-122"/>
+                  <a:ea typeface="华康俪金黑W8(P)" panose="020B0800000000000000" pitchFamily="34" charset="-122"/>
+                </a:rPr>
+                <a:t>defaultProps</a:t>
               </a:r>
               <a:endParaRPr lang="zh-CN" altLang="en-US" sz="2400" dirty="0">
                 <a:latin typeface="华康俪金黑W8(P)" panose="020B0800000000000000" pitchFamily="34" charset="-122"/>
@@ -4950,9 +5002,9 @@
         <p:grpSpPr>
           <a:xfrm>
             <a:off x="8125679" y="1115434"/>
-            <a:ext cx="2971027" cy="1275991"/>
+            <a:ext cx="4185761" cy="880819"/>
             <a:chOff x="9087623" y="1208904"/>
-            <a:chExt cx="2971027" cy="1275991"/>
+            <a:chExt cx="4185761" cy="880819"/>
           </a:xfrm>
         </p:grpSpPr>
         <p:sp>
@@ -4964,7 +5016,7 @@
           <p:spPr>
             <a:xfrm>
               <a:off x="9095364" y="1672365"/>
-              <a:ext cx="2963286" cy="812530"/>
+              <a:ext cx="2963286" cy="417358"/>
             </a:xfrm>
             <a:prstGeom prst="rect">
               <a:avLst/>
@@ -4989,33 +5041,8 @@
                   <a:latin typeface="微软雅黑" panose="020B0503020204020204" pitchFamily="34" charset="-122"/>
                   <a:ea typeface="微软雅黑" panose="020B0503020204020204" pitchFamily="34" charset="-122"/>
                 </a:rPr>
-                <a:t>上海锐普广告有限公司是中国第一家精品</a:t>
+                <a:t>函数参数推导。</a:t>
               </a:r>
-              <a:r>
-                <a:rPr lang="en-US" altLang="zh-CN" dirty="0" err="1">
-                  <a:solidFill>
-                    <a:schemeClr val="bg1"/>
-                  </a:solidFill>
-                  <a:latin typeface="微软雅黑" panose="020B0503020204020204" pitchFamily="34" charset="-122"/>
-                  <a:ea typeface="微软雅黑" panose="020B0503020204020204" pitchFamily="34" charset="-122"/>
-                </a:rPr>
-                <a:t>ppt</a:t>
-              </a:r>
-              <a:r>
-                <a:rPr lang="zh-CN" altLang="en-US" dirty="0">
-                  <a:solidFill>
-                    <a:schemeClr val="bg1"/>
-                  </a:solidFill>
-                  <a:latin typeface="微软雅黑" panose="020B0503020204020204" pitchFamily="34" charset="-122"/>
-                  <a:ea typeface="微软雅黑" panose="020B0503020204020204" pitchFamily="34" charset="-122"/>
-                </a:rPr>
-                <a:t>设计机构</a:t>
-              </a:r>
-              <a:endParaRPr lang="zh-CN" altLang="en-US" dirty="0">
-                <a:solidFill>
-                  <a:schemeClr val="bg1"/>
-                </a:solidFill>
-              </a:endParaRPr>
             </a:p>
           </p:txBody>
         </p:sp>
@@ -5028,7 +5055,7 @@
           <p:spPr>
             <a:xfrm>
               <a:off x="9087623" y="1208904"/>
-              <a:ext cx="2031325" cy="461665"/>
+              <a:ext cx="4185761" cy="461665"/>
             </a:xfrm>
             <a:prstGeom prst="rect">
               <a:avLst/>
@@ -5048,7 +5075,7 @@
                   <a:latin typeface="华康俪金黑W8(P)" panose="020B0800000000000000" pitchFamily="34" charset="-122"/>
                   <a:ea typeface="华康俪金黑W8(P)" panose="020B0800000000000000" pitchFamily="34" charset="-122"/>
                 </a:rPr>
-                <a:t>上海锐普广告</a:t>
+                <a:t>利用元组提取和传递参数列表</a:t>
               </a:r>
             </a:p>
           </p:txBody>
@@ -5063,9 +5090,9 @@
         <p:grpSpPr>
           <a:xfrm>
             <a:off x="8981226" y="3315964"/>
-            <a:ext cx="2971027" cy="1275991"/>
+            <a:ext cx="2971027" cy="885500"/>
             <a:chOff x="9087623" y="1208904"/>
-            <a:chExt cx="2971027" cy="1275991"/>
+            <a:chExt cx="2971027" cy="885500"/>
           </a:xfrm>
         </p:grpSpPr>
         <p:sp>
@@ -5077,7 +5104,7 @@
           <p:spPr>
             <a:xfrm>
               <a:off x="9095364" y="1672365"/>
-              <a:ext cx="2963286" cy="812530"/>
+              <a:ext cx="2963286" cy="422039"/>
             </a:xfrm>
             <a:prstGeom prst="rect">
               <a:avLst/>
@@ -5102,27 +5129,7 @@
                   <a:latin typeface="微软雅黑" panose="020B0503020204020204" pitchFamily="34" charset="-122"/>
                   <a:ea typeface="微软雅黑" panose="020B0503020204020204" pitchFamily="34" charset="-122"/>
                 </a:rPr>
-                <a:t>上海锐普广告有限公司是中国第一家精品</a:t>
-              </a:r>
-              <a:r>
-                <a:rPr lang="en-US" altLang="zh-CN" dirty="0" err="1">
-                  <a:solidFill>
-                    <a:schemeClr val="bg1"/>
-                  </a:solidFill>
-                  <a:latin typeface="微软雅黑" panose="020B0503020204020204" pitchFamily="34" charset="-122"/>
-                  <a:ea typeface="微软雅黑" panose="020B0503020204020204" pitchFamily="34" charset="-122"/>
-                </a:rPr>
-                <a:t>ppt</a:t>
-              </a:r>
-              <a:r>
-                <a:rPr lang="zh-CN" altLang="en-US" dirty="0">
-                  <a:solidFill>
-                    <a:schemeClr val="bg1"/>
-                  </a:solidFill>
-                  <a:latin typeface="微软雅黑" panose="020B0503020204020204" pitchFamily="34" charset="-122"/>
-                  <a:ea typeface="微软雅黑" panose="020B0503020204020204" pitchFamily="34" charset="-122"/>
-                </a:rPr>
-                <a:t>设计机构</a:t>
+                <a:t>一种新的内置类型</a:t>
               </a:r>
               <a:endParaRPr lang="zh-CN" altLang="en-US" dirty="0">
                 <a:solidFill>
@@ -5141,7 +5148,7 @@
           <p:spPr>
             <a:xfrm>
               <a:off x="9087623" y="1208904"/>
-              <a:ext cx="2031325" cy="461665"/>
+              <a:ext cx="2204450" cy="461665"/>
             </a:xfrm>
             <a:prstGeom prst="rect">
               <a:avLst/>
@@ -5154,15 +5161,32 @@
             <a:lstStyle/>
             <a:p>
               <a:r>
+                <a:rPr lang="en-US" altLang="zh-CN" sz="2400" dirty="0">
+                  <a:solidFill>
+                    <a:schemeClr val="bg1"/>
+                  </a:solidFill>
+                  <a:latin typeface="微软雅黑" panose="020B0503020204020204" pitchFamily="34" charset="-122"/>
+                  <a:ea typeface="微软雅黑" panose="020B0503020204020204" pitchFamily="34" charset="-122"/>
+                </a:rPr>
+                <a:t>unknown</a:t>
+              </a:r>
+              <a:r>
                 <a:rPr lang="zh-CN" altLang="en-US" sz="2400" dirty="0">
                   <a:solidFill>
                     <a:schemeClr val="bg1"/>
                   </a:solidFill>
-                  <a:latin typeface="华康俪金黑W8(P)" panose="020B0800000000000000" pitchFamily="34" charset="-122"/>
-                  <a:ea typeface="华康俪金黑W8(P)" panose="020B0800000000000000" pitchFamily="34" charset="-122"/>
+                  <a:latin typeface="微软雅黑" panose="020B0503020204020204" pitchFamily="34" charset="-122"/>
+                  <a:ea typeface="微软雅黑" panose="020B0503020204020204" pitchFamily="34" charset="-122"/>
                 </a:rPr>
-                <a:t>上海锐普广告</a:t>
+                <a:t>类型</a:t>
               </a:r>
+              <a:endParaRPr lang="en-US" altLang="zh-CN" sz="2400" dirty="0">
+                <a:solidFill>
+                  <a:schemeClr val="bg1"/>
+                </a:solidFill>
+                <a:latin typeface="微软雅黑" panose="020B0503020204020204" pitchFamily="34" charset="-122"/>
+                <a:ea typeface="微软雅黑" panose="020B0503020204020204" pitchFamily="34" charset="-122"/>
+              </a:endParaRPr>
             </a:p>
           </p:txBody>
         </p:sp>
@@ -5176,9 +5200,9 @@
         <p:grpSpPr>
           <a:xfrm>
             <a:off x="8111035" y="5436174"/>
-            <a:ext cx="2971027" cy="1275991"/>
+            <a:ext cx="3368202" cy="1240918"/>
             <a:chOff x="9087623" y="1208904"/>
-            <a:chExt cx="2971027" cy="1275991"/>
+            <a:chExt cx="2971027" cy="1240918"/>
           </a:xfrm>
         </p:grpSpPr>
         <p:sp>
@@ -5190,7 +5214,7 @@
           <p:spPr>
             <a:xfrm>
               <a:off x="9095364" y="1672365"/>
-              <a:ext cx="2963286" cy="812530"/>
+              <a:ext cx="2963286" cy="777457"/>
             </a:xfrm>
             <a:prstGeom prst="rect">
               <a:avLst/>
@@ -5215,17 +5239,31 @@
                   <a:latin typeface="微软雅黑" panose="020B0503020204020204" pitchFamily="34" charset="-122"/>
                   <a:ea typeface="微软雅黑" panose="020B0503020204020204" pitchFamily="34" charset="-122"/>
                 </a:rPr>
-                <a:t>上海锐普广告有限公司是中国第一家精品</a:t>
+                <a:t>导入重构</a:t>
               </a:r>
+              <a:endParaRPr lang="en-US" altLang="zh-CN" dirty="0">
+                <a:solidFill>
+                  <a:schemeClr val="bg1"/>
+                </a:solidFill>
+                <a:latin typeface="微软雅黑" panose="020B0503020204020204" pitchFamily="34" charset="-122"/>
+                <a:ea typeface="微软雅黑" panose="020B0503020204020204" pitchFamily="34" charset="-122"/>
+              </a:endParaRPr>
+            </a:p>
+            <a:p>
+              <a:pPr>
+                <a:lnSpc>
+                  <a:spcPct val="130000"/>
+                </a:lnSpc>
+              </a:pPr>
               <a:r>
-                <a:rPr lang="en-US" altLang="zh-CN" dirty="0" err="1">
+                <a:rPr lang="en-US" altLang="zh-CN" dirty="0">
                   <a:solidFill>
                     <a:schemeClr val="bg1"/>
                   </a:solidFill>
                   <a:latin typeface="微软雅黑" panose="020B0503020204020204" pitchFamily="34" charset="-122"/>
                   <a:ea typeface="微软雅黑" panose="020B0503020204020204" pitchFamily="34" charset="-122"/>
                 </a:rPr>
-                <a:t>ppt</a:t>
+                <a:t>JSX</a:t>
               </a:r>
               <a:r>
                 <a:rPr lang="zh-CN" altLang="en-US" dirty="0">
@@ -5235,13 +5273,8 @@
                   <a:latin typeface="微软雅黑" panose="020B0503020204020204" pitchFamily="34" charset="-122"/>
                   <a:ea typeface="微软雅黑" panose="020B0503020204020204" pitchFamily="34" charset="-122"/>
                 </a:rPr>
-                <a:t>设计机构</a:t>
+                <a:t>标签自动完成和可折叠轮廓</a:t>
               </a:r>
-              <a:endParaRPr lang="zh-CN" altLang="en-US" dirty="0">
-                <a:solidFill>
-                  <a:schemeClr val="bg1"/>
-                </a:solidFill>
-              </a:endParaRPr>
             </a:p>
           </p:txBody>
         </p:sp>
@@ -5254,7 +5287,7 @@
           <p:spPr>
             <a:xfrm>
               <a:off x="9087623" y="1208904"/>
-              <a:ext cx="2031325" cy="461665"/>
+              <a:ext cx="1723549" cy="461665"/>
             </a:xfrm>
             <a:prstGeom prst="rect">
               <a:avLst/>
@@ -5274,7 +5307,7 @@
                   <a:latin typeface="华康俪金黑W8(P)" panose="020B0800000000000000" pitchFamily="34" charset="-122"/>
                   <a:ea typeface="华康俪金黑W8(P)" panose="020B0800000000000000" pitchFamily="34" charset="-122"/>
                 </a:rPr>
-                <a:t>上海锐普广告</a:t>
+                <a:t>编辑器改进</a:t>
               </a:r>
             </a:p>
           </p:txBody>

--- a/doc/ts实践总结&ts3特性.pptx
+++ b/doc/ts实践总结&ts3特性.pptx
@@ -5,16 +5,18 @@
     <p:sldMasterId id="2147483648" r:id="rId1"/>
   </p:sldMasterIdLst>
   <p:notesMasterIdLst>
-    <p:notesMasterId r:id="rId9"/>
+    <p:notesMasterId r:id="rId11"/>
   </p:notesMasterIdLst>
   <p:sldIdLst>
     <p:sldId id="256" r:id="rId2"/>
     <p:sldId id="262" r:id="rId3"/>
     <p:sldId id="258" r:id="rId4"/>
-    <p:sldId id="261" r:id="rId5"/>
-    <p:sldId id="266" r:id="rId6"/>
-    <p:sldId id="267" r:id="rId7"/>
-    <p:sldId id="265" r:id="rId8"/>
+    <p:sldId id="267" r:id="rId5"/>
+    <p:sldId id="268" r:id="rId6"/>
+    <p:sldId id="269" r:id="rId7"/>
+    <p:sldId id="261" r:id="rId8"/>
+    <p:sldId id="266" r:id="rId9"/>
+    <p:sldId id="265" r:id="rId10"/>
   </p:sldIdLst>
   <p:sldSz cx="12192000" cy="6858000"/>
   <p:notesSz cx="6858000" cy="9144000"/>
@@ -229,7 +231,7 @@
           <a:p>
             <a:fld id="{B7AF9972-A990-42BF-914C-8A257AAE07D8}" type="datetimeFigureOut">
               <a:rPr lang="zh-CN" altLang="en-US" smtClean="0"/>
-              <a:t>2018/10/24</a:t>
+              <a:t>2018/10/25</a:t>
             </a:fld>
             <a:endParaRPr lang="zh-CN" altLang="en-US"/>
           </a:p>
@@ -3890,6 +3892,16 @@
               <a:buChar char="p"/>
             </a:pPr>
             <a:r>
+              <a:rPr lang="en-US" altLang="zh-CN" sz="3600" dirty="0">
+                <a:solidFill>
+                  <a:schemeClr val="bg1"/>
+                </a:solidFill>
+                <a:latin typeface="华康俪金黑W8(P)" panose="020B0800000000000000" pitchFamily="34" charset="-122"/>
+                <a:ea typeface="华康俪金黑W8(P)" panose="020B0800000000000000" pitchFamily="34" charset="-122"/>
+              </a:rPr>
+              <a:t>UI</a:t>
+            </a:r>
+            <a:r>
               <a:rPr lang="zh-CN" altLang="en-US" sz="3600" dirty="0">
                 <a:solidFill>
                   <a:schemeClr val="bg1"/>
@@ -3897,25 +3909,8 @@
                 <a:latin typeface="华康俪金黑W8(P)" panose="020B0800000000000000" pitchFamily="34" charset="-122"/>
                 <a:ea typeface="华康俪金黑W8(P)" panose="020B0800000000000000" pitchFamily="34" charset="-122"/>
               </a:rPr>
-              <a:t>例子</a:t>
+              <a:t>状态管理</a:t>
             </a:r>
-            <a:r>
-              <a:rPr lang="en-US" altLang="zh-CN" sz="3600" dirty="0">
-                <a:solidFill>
-                  <a:schemeClr val="bg1"/>
-                </a:solidFill>
-                <a:latin typeface="华康俪金黑W8(P)" panose="020B0800000000000000" pitchFamily="34" charset="-122"/>
-                <a:ea typeface="华康俪金黑W8(P)" panose="020B0800000000000000" pitchFamily="34" charset="-122"/>
-              </a:rPr>
-              <a:t>3</a:t>
-            </a:r>
-            <a:endParaRPr lang="zh-CN" altLang="en-US" sz="3600" dirty="0">
-              <a:solidFill>
-                <a:schemeClr val="bg1"/>
-              </a:solidFill>
-              <a:latin typeface="华康俪金黑W8(P)" panose="020B0800000000000000" pitchFamily="34" charset="-122"/>
-              <a:ea typeface="华康俪金黑W8(P)" panose="020B0800000000000000" pitchFamily="34" charset="-122"/>
-            </a:endParaRPr>
           </a:p>
         </p:txBody>
       </p:sp>
@@ -4009,6 +4004,1326 @@
 </file>
 
 <file path=ppt/slides/slide4.xml><?xml version="1.0" encoding="utf-8"?>
+<p:sld xmlns:a="http://schemas.openxmlformats.org/drawingml/2006/main" xmlns:r="http://schemas.openxmlformats.org/officeDocument/2006/relationships" xmlns:p="http://schemas.openxmlformats.org/presentationml/2006/main">
+  <p:cSld>
+    <p:spTree>
+      <p:nvGrpSpPr>
+        <p:cNvPr id="1" name=""/>
+        <p:cNvGrpSpPr/>
+        <p:nvPr/>
+      </p:nvGrpSpPr>
+      <p:grpSpPr>
+        <a:xfrm>
+          <a:off x="0" y="0"/>
+          <a:ext cx="0" cy="0"/>
+          <a:chOff x="0" y="0"/>
+          <a:chExt cx="0" cy="0"/>
+        </a:xfrm>
+      </p:grpSpPr>
+      <p:sp>
+        <p:nvSpPr>
+          <p:cNvPr id="7" name="椭圆 6"/>
+          <p:cNvSpPr/>
+          <p:nvPr/>
+        </p:nvSpPr>
+        <p:spPr>
+          <a:xfrm>
+            <a:off x="5030788" y="2676525"/>
+            <a:ext cx="2019300" cy="2019300"/>
+          </a:xfrm>
+          <a:prstGeom prst="ellipse">
+            <a:avLst/>
+          </a:prstGeom>
+          <a:solidFill>
+            <a:srgbClr val="EDEDED"/>
+          </a:solidFill>
+          <a:ln>
+            <a:noFill/>
+          </a:ln>
+        </p:spPr>
+        <p:style>
+          <a:lnRef idx="2">
+            <a:schemeClr val="accent1">
+              <a:shade val="50000"/>
+            </a:schemeClr>
+          </a:lnRef>
+          <a:fillRef idx="1">
+            <a:schemeClr val="accent1"/>
+          </a:fillRef>
+          <a:effectRef idx="0">
+            <a:schemeClr val="accent1"/>
+          </a:effectRef>
+          <a:fontRef idx="minor">
+            <a:schemeClr val="lt1"/>
+          </a:fontRef>
+        </p:style>
+        <p:txBody>
+          <a:bodyPr rtlCol="0" anchor="ctr"/>
+          <a:lstStyle/>
+          <a:p>
+            <a:pPr algn="ctr"/>
+            <a:endParaRPr lang="zh-CN" altLang="en-US"/>
+          </a:p>
+        </p:txBody>
+      </p:sp>
+      <p:sp>
+        <p:nvSpPr>
+          <p:cNvPr id="10" name="文本框 9"/>
+          <p:cNvSpPr txBox="1"/>
+          <p:nvPr/>
+        </p:nvSpPr>
+        <p:spPr>
+          <a:xfrm>
+            <a:off x="1769288" y="5430619"/>
+            <a:ext cx="2137445" cy="646331"/>
+          </a:xfrm>
+          <a:prstGeom prst="rect">
+            <a:avLst/>
+          </a:prstGeom>
+          <a:noFill/>
+        </p:spPr>
+        <p:txBody>
+          <a:bodyPr wrap="none" rtlCol="0">
+            <a:spAutoFit/>
+          </a:bodyPr>
+          <a:lstStyle/>
+          <a:p>
+            <a:r>
+              <a:rPr lang="en-US" altLang="zh-CN" sz="3600" dirty="0">
+                <a:solidFill>
+                  <a:srgbClr val="EDEDED"/>
+                </a:solidFill>
+                <a:latin typeface="Impact" panose="020B0806030902050204" pitchFamily="34" charset="0"/>
+              </a:rPr>
+              <a:t>Part Three</a:t>
+            </a:r>
+            <a:endParaRPr lang="zh-CN" altLang="en-US" sz="3600" dirty="0">
+              <a:solidFill>
+                <a:srgbClr val="EDEDED"/>
+              </a:solidFill>
+              <a:latin typeface="Impact" panose="020B0806030902050204" pitchFamily="34" charset="0"/>
+            </a:endParaRPr>
+          </a:p>
+        </p:txBody>
+      </p:sp>
+      <p:sp>
+        <p:nvSpPr>
+          <p:cNvPr id="11" name="文本框 10"/>
+          <p:cNvSpPr txBox="1"/>
+          <p:nvPr/>
+        </p:nvSpPr>
+        <p:spPr>
+          <a:xfrm>
+            <a:off x="8536422" y="3163669"/>
+            <a:ext cx="1813253" cy="646331"/>
+          </a:xfrm>
+          <a:prstGeom prst="rect">
+            <a:avLst/>
+          </a:prstGeom>
+          <a:noFill/>
+        </p:spPr>
+        <p:txBody>
+          <a:bodyPr wrap="none" rtlCol="0">
+            <a:spAutoFit/>
+          </a:bodyPr>
+          <a:lstStyle/>
+          <a:p>
+            <a:r>
+              <a:rPr lang="en-US" altLang="zh-CN" sz="3600" dirty="0">
+                <a:solidFill>
+                  <a:srgbClr val="EDEDED"/>
+                </a:solidFill>
+                <a:latin typeface="Impact" panose="020B0806030902050204" pitchFamily="34" charset="0"/>
+              </a:rPr>
+              <a:t>Part Two</a:t>
+            </a:r>
+            <a:endParaRPr lang="zh-CN" altLang="en-US" sz="3600" dirty="0">
+              <a:solidFill>
+                <a:srgbClr val="EDEDED"/>
+              </a:solidFill>
+              <a:latin typeface="Impact" panose="020B0806030902050204" pitchFamily="34" charset="0"/>
+            </a:endParaRPr>
+          </a:p>
+        </p:txBody>
+      </p:sp>
+      <p:sp>
+        <p:nvSpPr>
+          <p:cNvPr id="12" name="文本框 11"/>
+          <p:cNvSpPr txBox="1"/>
+          <p:nvPr/>
+        </p:nvSpPr>
+        <p:spPr>
+          <a:xfrm>
+            <a:off x="8536422" y="5449669"/>
+            <a:ext cx="1871346" cy="646331"/>
+          </a:xfrm>
+          <a:prstGeom prst="rect">
+            <a:avLst/>
+          </a:prstGeom>
+          <a:noFill/>
+        </p:spPr>
+        <p:txBody>
+          <a:bodyPr wrap="none" rtlCol="0">
+            <a:spAutoFit/>
+          </a:bodyPr>
+          <a:lstStyle/>
+          <a:p>
+            <a:r>
+              <a:rPr lang="en-US" altLang="zh-CN" sz="3600" dirty="0">
+                <a:solidFill>
+                  <a:srgbClr val="EDEDED"/>
+                </a:solidFill>
+                <a:latin typeface="Impact" panose="020B0806030902050204" pitchFamily="34" charset="0"/>
+              </a:rPr>
+              <a:t>Part Four</a:t>
+            </a:r>
+            <a:endParaRPr lang="zh-CN" altLang="en-US" sz="3600" dirty="0">
+              <a:solidFill>
+                <a:srgbClr val="EDEDED"/>
+              </a:solidFill>
+              <a:latin typeface="Impact" panose="020B0806030902050204" pitchFamily="34" charset="0"/>
+            </a:endParaRPr>
+          </a:p>
+        </p:txBody>
+      </p:sp>
+      <p:sp>
+        <p:nvSpPr>
+          <p:cNvPr id="37" name="矩形 36">
+            <a:extLst>
+              <a:ext uri="{FF2B5EF4-FFF2-40B4-BE49-F238E27FC236}">
+                <a16:creationId xmlns:a16="http://schemas.microsoft.com/office/drawing/2014/main" id="{CEBA7907-40E6-4C98-AE9A-FF5958CDD8CB}"/>
+              </a:ext>
+            </a:extLst>
+          </p:cNvPr>
+          <p:cNvSpPr/>
+          <p:nvPr/>
+        </p:nvSpPr>
+        <p:spPr>
+          <a:xfrm>
+            <a:off x="-2" y="0"/>
+            <a:ext cx="5205048" cy="775277"/>
+          </a:xfrm>
+          <a:prstGeom prst="rect">
+            <a:avLst/>
+          </a:prstGeom>
+          <a:solidFill>
+            <a:schemeClr val="tx2">
+              <a:lumMod val="75000"/>
+            </a:schemeClr>
+          </a:solidFill>
+          <a:ln>
+            <a:noFill/>
+          </a:ln>
+        </p:spPr>
+        <p:style>
+          <a:lnRef idx="2">
+            <a:schemeClr val="accent1">
+              <a:shade val="50000"/>
+            </a:schemeClr>
+          </a:lnRef>
+          <a:fillRef idx="1">
+            <a:schemeClr val="accent1"/>
+          </a:fillRef>
+          <a:effectRef idx="0">
+            <a:schemeClr val="accent1"/>
+          </a:effectRef>
+          <a:fontRef idx="minor">
+            <a:schemeClr val="lt1"/>
+          </a:fontRef>
+        </p:style>
+        <p:txBody>
+          <a:bodyPr lIns="0" tIns="0" rIns="0" bIns="0" anchor="ctr"/>
+          <a:lstStyle/>
+          <a:p>
+            <a:pPr>
+              <a:defRPr/>
+            </a:pPr>
+            <a:r>
+              <a:rPr lang="zh-CN" altLang="en-US" sz="3200" spc="200" dirty="0">
+                <a:solidFill>
+                  <a:srgbClr val="FFFFFF"/>
+                </a:solidFill>
+                <a:effectLst>
+                  <a:outerShdw blurRad="50800" dist="38100" algn="l" rotWithShape="0">
+                    <a:prstClr val="black">
+                      <a:alpha val="40000"/>
+                    </a:prstClr>
+                  </a:outerShdw>
+                </a:effectLst>
+                <a:latin typeface="微软雅黑" panose="020B0503020204020204" pitchFamily="34" charset="-122"/>
+                <a:ea typeface="微软雅黑" panose="020B0503020204020204" pitchFamily="34" charset="-122"/>
+              </a:rPr>
+              <a:t>    </a:t>
+            </a:r>
+            <a:r>
+              <a:rPr lang="en-US" altLang="zh-CN" sz="3200" spc="200" dirty="0">
+                <a:solidFill>
+                  <a:srgbClr val="FFFFFF"/>
+                </a:solidFill>
+                <a:effectLst>
+                  <a:outerShdw blurRad="50800" dist="38100" algn="l" rotWithShape="0">
+                    <a:prstClr val="black">
+                      <a:alpha val="40000"/>
+                    </a:prstClr>
+                  </a:outerShdw>
+                </a:effectLst>
+                <a:latin typeface="微软雅黑" panose="020B0503020204020204" pitchFamily="34" charset="-122"/>
+                <a:ea typeface="微软雅黑" panose="020B0503020204020204" pitchFamily="34" charset="-122"/>
+              </a:rPr>
+              <a:t>extends</a:t>
+            </a:r>
+            <a:r>
+              <a:rPr lang="zh-CN" altLang="en-US" sz="3200" spc="200" dirty="0">
+                <a:solidFill>
+                  <a:srgbClr val="FFFFFF"/>
+                </a:solidFill>
+                <a:effectLst>
+                  <a:outerShdw blurRad="50800" dist="38100" algn="l" rotWithShape="0">
+                    <a:prstClr val="black">
+                      <a:alpha val="40000"/>
+                    </a:prstClr>
+                  </a:outerShdw>
+                </a:effectLst>
+                <a:latin typeface="微软雅黑" panose="020B0503020204020204" pitchFamily="34" charset="-122"/>
+                <a:ea typeface="微软雅黑" panose="020B0503020204020204" pitchFamily="34" charset="-122"/>
+              </a:rPr>
+              <a:t>和</a:t>
+            </a:r>
+            <a:r>
+              <a:rPr lang="en-US" altLang="zh-CN" sz="3200" spc="200" dirty="0">
+                <a:solidFill>
+                  <a:srgbClr val="FFFFFF"/>
+                </a:solidFill>
+                <a:effectLst>
+                  <a:outerShdw blurRad="50800" dist="38100" algn="l" rotWithShape="0">
+                    <a:prstClr val="black">
+                      <a:alpha val="40000"/>
+                    </a:prstClr>
+                  </a:outerShdw>
+                </a:effectLst>
+                <a:latin typeface="微软雅黑" panose="020B0503020204020204" pitchFamily="34" charset="-122"/>
+                <a:ea typeface="微软雅黑" panose="020B0503020204020204" pitchFamily="34" charset="-122"/>
+              </a:rPr>
+              <a:t>implement</a:t>
+            </a:r>
+            <a:endParaRPr lang="zh-CN" altLang="en-US" sz="2800" spc="200" dirty="0">
+              <a:solidFill>
+                <a:srgbClr val="FFFFFF"/>
+              </a:solidFill>
+              <a:effectLst>
+                <a:outerShdw blurRad="38100" dist="38100" dir="2700000" algn="tl">
+                  <a:srgbClr val="000000">
+                    <a:alpha val="43137"/>
+                  </a:srgbClr>
+                </a:outerShdw>
+              </a:effectLst>
+              <a:latin typeface="微软雅黑" panose="020B0503020204020204" pitchFamily="34" charset="-122"/>
+              <a:ea typeface="微软雅黑" panose="020B0503020204020204" pitchFamily="34" charset="-122"/>
+            </a:endParaRPr>
+          </a:p>
+        </p:txBody>
+      </p:sp>
+      <p:sp>
+        <p:nvSpPr>
+          <p:cNvPr id="38" name="直角三角形 37">
+            <a:extLst>
+              <a:ext uri="{FF2B5EF4-FFF2-40B4-BE49-F238E27FC236}">
+                <a16:creationId xmlns:a16="http://schemas.microsoft.com/office/drawing/2014/main" id="{93806DC8-3D06-4DEF-A161-697CC3798AA3}"/>
+              </a:ext>
+            </a:extLst>
+          </p:cNvPr>
+          <p:cNvSpPr/>
+          <p:nvPr/>
+        </p:nvSpPr>
+        <p:spPr>
+          <a:xfrm>
+            <a:off x="5205046" y="-4040"/>
+            <a:ext cx="853701" cy="779317"/>
+          </a:xfrm>
+          <a:prstGeom prst="rtTriangle">
+            <a:avLst/>
+          </a:prstGeom>
+          <a:solidFill>
+            <a:schemeClr val="tx1">
+              <a:lumMod val="50000"/>
+              <a:lumOff val="50000"/>
+            </a:schemeClr>
+          </a:solidFill>
+          <a:ln>
+            <a:noFill/>
+          </a:ln>
+        </p:spPr>
+        <p:style>
+          <a:lnRef idx="2">
+            <a:schemeClr val="accent1">
+              <a:shade val="50000"/>
+            </a:schemeClr>
+          </a:lnRef>
+          <a:fillRef idx="1">
+            <a:schemeClr val="accent1"/>
+          </a:fillRef>
+          <a:effectRef idx="0">
+            <a:schemeClr val="accent1"/>
+          </a:effectRef>
+          <a:fontRef idx="minor">
+            <a:schemeClr val="lt1"/>
+          </a:fontRef>
+        </p:style>
+        <p:txBody>
+          <a:bodyPr anchor="ctr"/>
+          <a:lstStyle/>
+          <a:p>
+            <a:pPr algn="ctr">
+              <a:defRPr/>
+            </a:pPr>
+            <a:endParaRPr lang="zh-CN" altLang="en-US">
+              <a:solidFill>
+                <a:prstClr val="white"/>
+              </a:solidFill>
+            </a:endParaRPr>
+          </a:p>
+        </p:txBody>
+      </p:sp>
+      <p:pic>
+        <p:nvPicPr>
+          <p:cNvPr id="2" name="图片 1">
+            <a:extLst>
+              <a:ext uri="{FF2B5EF4-FFF2-40B4-BE49-F238E27FC236}">
+                <a16:creationId xmlns:a16="http://schemas.microsoft.com/office/drawing/2014/main" id="{E63AB068-CD99-4974-AB83-E97E4FAD8180}"/>
+              </a:ext>
+            </a:extLst>
+          </p:cNvPr>
+          <p:cNvPicPr>
+            <a:picLocks noChangeAspect="1"/>
+          </p:cNvPicPr>
+          <p:nvPr/>
+        </p:nvPicPr>
+        <p:blipFill>
+          <a:blip r:embed="rId2"/>
+          <a:stretch>
+            <a:fillRect/>
+          </a:stretch>
+        </p:blipFill>
+        <p:spPr>
+          <a:xfrm>
+            <a:off x="4081512" y="1194424"/>
+            <a:ext cx="5937152" cy="4882526"/>
+          </a:xfrm>
+          <a:prstGeom prst="rect">
+            <a:avLst/>
+          </a:prstGeom>
+        </p:spPr>
+      </p:pic>
+    </p:spTree>
+    <p:extLst>
+      <p:ext uri="{BB962C8B-B14F-4D97-AF65-F5344CB8AC3E}">
+        <p14:creationId xmlns:p14="http://schemas.microsoft.com/office/powerpoint/2010/main" val="3549907864"/>
+      </p:ext>
+    </p:extLst>
+  </p:cSld>
+  <p:clrMapOvr>
+    <a:masterClrMapping/>
+  </p:clrMapOvr>
+  <mc:AlternateContent xmlns:mc="http://schemas.openxmlformats.org/markup-compatibility/2006" xmlns:p15="http://schemas.microsoft.com/office/powerpoint/2012/main">
+    <mc:Choice Requires="p15">
+      <p:transition xmlns:p14="http://schemas.microsoft.com/office/powerpoint/2010/main" spd="slow" p14:dur="1250">
+        <p15:prstTrans prst="pageCurlDouble"/>
+      </p:transition>
+    </mc:Choice>
+    <mc:Fallback xmlns="">
+      <p:transition spd="slow">
+        <p:fade/>
+      </p:transition>
+    </mc:Fallback>
+  </mc:AlternateContent>
+</p:sld>
+</file>
+
+<file path=ppt/slides/slide5.xml><?xml version="1.0" encoding="utf-8"?>
+<p:sld xmlns:a="http://schemas.openxmlformats.org/drawingml/2006/main" xmlns:r="http://schemas.openxmlformats.org/officeDocument/2006/relationships" xmlns:p="http://schemas.openxmlformats.org/presentationml/2006/main">
+  <p:cSld>
+    <p:spTree>
+      <p:nvGrpSpPr>
+        <p:cNvPr id="1" name=""/>
+        <p:cNvGrpSpPr/>
+        <p:nvPr/>
+      </p:nvGrpSpPr>
+      <p:grpSpPr>
+        <a:xfrm>
+          <a:off x="0" y="0"/>
+          <a:ext cx="0" cy="0"/>
+          <a:chOff x="0" y="0"/>
+          <a:chExt cx="0" cy="0"/>
+        </a:xfrm>
+      </p:grpSpPr>
+      <p:sp>
+        <p:nvSpPr>
+          <p:cNvPr id="7" name="椭圆 6"/>
+          <p:cNvSpPr/>
+          <p:nvPr/>
+        </p:nvSpPr>
+        <p:spPr>
+          <a:xfrm>
+            <a:off x="5030788" y="2676525"/>
+            <a:ext cx="2019300" cy="2019300"/>
+          </a:xfrm>
+          <a:prstGeom prst="ellipse">
+            <a:avLst/>
+          </a:prstGeom>
+          <a:solidFill>
+            <a:srgbClr val="EDEDED"/>
+          </a:solidFill>
+          <a:ln>
+            <a:noFill/>
+          </a:ln>
+        </p:spPr>
+        <p:style>
+          <a:lnRef idx="2">
+            <a:schemeClr val="accent1">
+              <a:shade val="50000"/>
+            </a:schemeClr>
+          </a:lnRef>
+          <a:fillRef idx="1">
+            <a:schemeClr val="accent1"/>
+          </a:fillRef>
+          <a:effectRef idx="0">
+            <a:schemeClr val="accent1"/>
+          </a:effectRef>
+          <a:fontRef idx="minor">
+            <a:schemeClr val="lt1"/>
+          </a:fontRef>
+        </p:style>
+        <p:txBody>
+          <a:bodyPr rtlCol="0" anchor="ctr"/>
+          <a:lstStyle/>
+          <a:p>
+            <a:pPr algn="ctr"/>
+            <a:endParaRPr lang="zh-CN" altLang="en-US"/>
+          </a:p>
+        </p:txBody>
+      </p:sp>
+      <p:sp>
+        <p:nvSpPr>
+          <p:cNvPr id="9" name="文本框 8"/>
+          <p:cNvSpPr txBox="1"/>
+          <p:nvPr/>
+        </p:nvSpPr>
+        <p:spPr>
+          <a:xfrm>
+            <a:off x="1769288" y="3163669"/>
+            <a:ext cx="1775166" cy="646331"/>
+          </a:xfrm>
+          <a:prstGeom prst="rect">
+            <a:avLst/>
+          </a:prstGeom>
+          <a:noFill/>
+        </p:spPr>
+        <p:txBody>
+          <a:bodyPr wrap="none" rtlCol="0">
+            <a:spAutoFit/>
+          </a:bodyPr>
+          <a:lstStyle/>
+          <a:p>
+            <a:r>
+              <a:rPr lang="en-US" altLang="zh-CN" sz="3600" dirty="0">
+                <a:solidFill>
+                  <a:srgbClr val="EDEDED"/>
+                </a:solidFill>
+                <a:latin typeface="Impact" panose="020B0806030902050204" pitchFamily="34" charset="0"/>
+              </a:rPr>
+              <a:t>Part One</a:t>
+            </a:r>
+            <a:endParaRPr lang="zh-CN" altLang="en-US" sz="3600" dirty="0">
+              <a:solidFill>
+                <a:srgbClr val="EDEDED"/>
+              </a:solidFill>
+              <a:latin typeface="Impact" panose="020B0806030902050204" pitchFamily="34" charset="0"/>
+            </a:endParaRPr>
+          </a:p>
+        </p:txBody>
+      </p:sp>
+      <p:sp>
+        <p:nvSpPr>
+          <p:cNvPr id="10" name="文本框 9"/>
+          <p:cNvSpPr txBox="1"/>
+          <p:nvPr/>
+        </p:nvSpPr>
+        <p:spPr>
+          <a:xfrm>
+            <a:off x="1769288" y="5430619"/>
+            <a:ext cx="2137445" cy="646331"/>
+          </a:xfrm>
+          <a:prstGeom prst="rect">
+            <a:avLst/>
+          </a:prstGeom>
+          <a:noFill/>
+        </p:spPr>
+        <p:txBody>
+          <a:bodyPr wrap="none" rtlCol="0">
+            <a:spAutoFit/>
+          </a:bodyPr>
+          <a:lstStyle/>
+          <a:p>
+            <a:r>
+              <a:rPr lang="en-US" altLang="zh-CN" sz="3600" dirty="0">
+                <a:solidFill>
+                  <a:srgbClr val="EDEDED"/>
+                </a:solidFill>
+                <a:latin typeface="Impact" panose="020B0806030902050204" pitchFamily="34" charset="0"/>
+              </a:rPr>
+              <a:t>Part Three</a:t>
+            </a:r>
+            <a:endParaRPr lang="zh-CN" altLang="en-US" sz="3600" dirty="0">
+              <a:solidFill>
+                <a:srgbClr val="EDEDED"/>
+              </a:solidFill>
+              <a:latin typeface="Impact" panose="020B0806030902050204" pitchFamily="34" charset="0"/>
+            </a:endParaRPr>
+          </a:p>
+        </p:txBody>
+      </p:sp>
+      <p:sp>
+        <p:nvSpPr>
+          <p:cNvPr id="11" name="文本框 10"/>
+          <p:cNvSpPr txBox="1"/>
+          <p:nvPr/>
+        </p:nvSpPr>
+        <p:spPr>
+          <a:xfrm>
+            <a:off x="8536422" y="3163669"/>
+            <a:ext cx="1813253" cy="646331"/>
+          </a:xfrm>
+          <a:prstGeom prst="rect">
+            <a:avLst/>
+          </a:prstGeom>
+          <a:noFill/>
+        </p:spPr>
+        <p:txBody>
+          <a:bodyPr wrap="none" rtlCol="0">
+            <a:spAutoFit/>
+          </a:bodyPr>
+          <a:lstStyle/>
+          <a:p>
+            <a:r>
+              <a:rPr lang="en-US" altLang="zh-CN" sz="3600" dirty="0">
+                <a:solidFill>
+                  <a:srgbClr val="EDEDED"/>
+                </a:solidFill>
+                <a:latin typeface="Impact" panose="020B0806030902050204" pitchFamily="34" charset="0"/>
+              </a:rPr>
+              <a:t>Part Two</a:t>
+            </a:r>
+            <a:endParaRPr lang="zh-CN" altLang="en-US" sz="3600" dirty="0">
+              <a:solidFill>
+                <a:srgbClr val="EDEDED"/>
+              </a:solidFill>
+              <a:latin typeface="Impact" panose="020B0806030902050204" pitchFamily="34" charset="0"/>
+            </a:endParaRPr>
+          </a:p>
+        </p:txBody>
+      </p:sp>
+      <p:sp>
+        <p:nvSpPr>
+          <p:cNvPr id="12" name="文本框 11"/>
+          <p:cNvSpPr txBox="1"/>
+          <p:nvPr/>
+        </p:nvSpPr>
+        <p:spPr>
+          <a:xfrm>
+            <a:off x="8536422" y="5449669"/>
+            <a:ext cx="1871346" cy="646331"/>
+          </a:xfrm>
+          <a:prstGeom prst="rect">
+            <a:avLst/>
+          </a:prstGeom>
+          <a:noFill/>
+        </p:spPr>
+        <p:txBody>
+          <a:bodyPr wrap="none" rtlCol="0">
+            <a:spAutoFit/>
+          </a:bodyPr>
+          <a:lstStyle/>
+          <a:p>
+            <a:r>
+              <a:rPr lang="en-US" altLang="zh-CN" sz="3600" dirty="0">
+                <a:solidFill>
+                  <a:srgbClr val="EDEDED"/>
+                </a:solidFill>
+                <a:latin typeface="Impact" panose="020B0806030902050204" pitchFamily="34" charset="0"/>
+              </a:rPr>
+              <a:t>Part Four</a:t>
+            </a:r>
+            <a:endParaRPr lang="zh-CN" altLang="en-US" sz="3600" dirty="0">
+              <a:solidFill>
+                <a:srgbClr val="EDEDED"/>
+              </a:solidFill>
+              <a:latin typeface="Impact" panose="020B0806030902050204" pitchFamily="34" charset="0"/>
+            </a:endParaRPr>
+          </a:p>
+        </p:txBody>
+      </p:sp>
+      <p:sp>
+        <p:nvSpPr>
+          <p:cNvPr id="37" name="矩形 36">
+            <a:extLst>
+              <a:ext uri="{FF2B5EF4-FFF2-40B4-BE49-F238E27FC236}">
+                <a16:creationId xmlns:a16="http://schemas.microsoft.com/office/drawing/2014/main" id="{CEBA7907-40E6-4C98-AE9A-FF5958CDD8CB}"/>
+              </a:ext>
+            </a:extLst>
+          </p:cNvPr>
+          <p:cNvSpPr/>
+          <p:nvPr/>
+        </p:nvSpPr>
+        <p:spPr>
+          <a:xfrm>
+            <a:off x="0" y="0"/>
+            <a:ext cx="3593068" cy="775277"/>
+          </a:xfrm>
+          <a:prstGeom prst="rect">
+            <a:avLst/>
+          </a:prstGeom>
+          <a:solidFill>
+            <a:schemeClr val="tx2">
+              <a:lumMod val="75000"/>
+            </a:schemeClr>
+          </a:solidFill>
+          <a:ln>
+            <a:noFill/>
+          </a:ln>
+        </p:spPr>
+        <p:style>
+          <a:lnRef idx="2">
+            <a:schemeClr val="accent1">
+              <a:shade val="50000"/>
+            </a:schemeClr>
+          </a:lnRef>
+          <a:fillRef idx="1">
+            <a:schemeClr val="accent1"/>
+          </a:fillRef>
+          <a:effectRef idx="0">
+            <a:schemeClr val="accent1"/>
+          </a:effectRef>
+          <a:fontRef idx="minor">
+            <a:schemeClr val="lt1"/>
+          </a:fontRef>
+        </p:style>
+        <p:txBody>
+          <a:bodyPr lIns="0" tIns="0" rIns="0" bIns="0" anchor="ctr"/>
+          <a:lstStyle/>
+          <a:p>
+            <a:pPr>
+              <a:defRPr/>
+            </a:pPr>
+            <a:r>
+              <a:rPr lang="zh-CN" altLang="en-US" sz="3200" spc="200" dirty="0">
+                <a:solidFill>
+                  <a:srgbClr val="FFFFFF"/>
+                </a:solidFill>
+                <a:effectLst>
+                  <a:outerShdw blurRad="50800" dist="38100" algn="l" rotWithShape="0">
+                    <a:prstClr val="black">
+                      <a:alpha val="40000"/>
+                    </a:prstClr>
+                  </a:outerShdw>
+                </a:effectLst>
+                <a:latin typeface="微软雅黑" panose="020B0503020204020204" pitchFamily="34" charset="-122"/>
+                <a:ea typeface="微软雅黑" panose="020B0503020204020204" pitchFamily="34" charset="-122"/>
+              </a:rPr>
+              <a:t>    装饰器实践</a:t>
+            </a:r>
+            <a:endParaRPr lang="zh-CN" altLang="en-US" sz="2800" spc="200" dirty="0">
+              <a:solidFill>
+                <a:srgbClr val="FFFFFF"/>
+              </a:solidFill>
+              <a:effectLst>
+                <a:outerShdw blurRad="38100" dist="38100" dir="2700000" algn="tl">
+                  <a:srgbClr val="000000">
+                    <a:alpha val="43137"/>
+                  </a:srgbClr>
+                </a:outerShdw>
+              </a:effectLst>
+              <a:latin typeface="微软雅黑" panose="020B0503020204020204" pitchFamily="34" charset="-122"/>
+              <a:ea typeface="微软雅黑" panose="020B0503020204020204" pitchFamily="34" charset="-122"/>
+            </a:endParaRPr>
+          </a:p>
+        </p:txBody>
+      </p:sp>
+      <p:sp>
+        <p:nvSpPr>
+          <p:cNvPr id="38" name="直角三角形 37">
+            <a:extLst>
+              <a:ext uri="{FF2B5EF4-FFF2-40B4-BE49-F238E27FC236}">
+                <a16:creationId xmlns:a16="http://schemas.microsoft.com/office/drawing/2014/main" id="{93806DC8-3D06-4DEF-A161-697CC3798AA3}"/>
+              </a:ext>
+            </a:extLst>
+          </p:cNvPr>
+          <p:cNvSpPr/>
+          <p:nvPr/>
+        </p:nvSpPr>
+        <p:spPr>
+          <a:xfrm>
+            <a:off x="3593068" y="-4040"/>
+            <a:ext cx="853701" cy="779317"/>
+          </a:xfrm>
+          <a:prstGeom prst="rtTriangle">
+            <a:avLst/>
+          </a:prstGeom>
+          <a:solidFill>
+            <a:schemeClr val="tx1">
+              <a:lumMod val="50000"/>
+              <a:lumOff val="50000"/>
+            </a:schemeClr>
+          </a:solidFill>
+          <a:ln>
+            <a:noFill/>
+          </a:ln>
+        </p:spPr>
+        <p:style>
+          <a:lnRef idx="2">
+            <a:schemeClr val="accent1">
+              <a:shade val="50000"/>
+            </a:schemeClr>
+          </a:lnRef>
+          <a:fillRef idx="1">
+            <a:schemeClr val="accent1"/>
+          </a:fillRef>
+          <a:effectRef idx="0">
+            <a:schemeClr val="accent1"/>
+          </a:effectRef>
+          <a:fontRef idx="minor">
+            <a:schemeClr val="lt1"/>
+          </a:fontRef>
+        </p:style>
+        <p:txBody>
+          <a:bodyPr anchor="ctr"/>
+          <a:lstStyle/>
+          <a:p>
+            <a:pPr algn="ctr">
+              <a:defRPr/>
+            </a:pPr>
+            <a:endParaRPr lang="zh-CN" altLang="en-US">
+              <a:solidFill>
+                <a:prstClr val="white"/>
+              </a:solidFill>
+            </a:endParaRPr>
+          </a:p>
+        </p:txBody>
+      </p:sp>
+      <p:pic>
+        <p:nvPicPr>
+          <p:cNvPr id="2" name="图片 1">
+            <a:extLst>
+              <a:ext uri="{FF2B5EF4-FFF2-40B4-BE49-F238E27FC236}">
+                <a16:creationId xmlns:a16="http://schemas.microsoft.com/office/drawing/2014/main" id="{D1E12F7D-EC15-486F-8FFA-75A3E760151C}"/>
+              </a:ext>
+            </a:extLst>
+          </p:cNvPr>
+          <p:cNvPicPr>
+            <a:picLocks noChangeAspect="1"/>
+          </p:cNvPicPr>
+          <p:nvPr/>
+        </p:nvPicPr>
+        <p:blipFill>
+          <a:blip r:embed="rId2"/>
+          <a:stretch>
+            <a:fillRect/>
+          </a:stretch>
+        </p:blipFill>
+        <p:spPr>
+          <a:xfrm>
+            <a:off x="2257425" y="1884912"/>
+            <a:ext cx="8821346" cy="3203844"/>
+          </a:xfrm>
+          <a:prstGeom prst="rect">
+            <a:avLst/>
+          </a:prstGeom>
+        </p:spPr>
+      </p:pic>
+    </p:spTree>
+    <p:extLst>
+      <p:ext uri="{BB962C8B-B14F-4D97-AF65-F5344CB8AC3E}">
+        <p14:creationId xmlns:p14="http://schemas.microsoft.com/office/powerpoint/2010/main" val="971080186"/>
+      </p:ext>
+    </p:extLst>
+  </p:cSld>
+  <p:clrMapOvr>
+    <a:masterClrMapping/>
+  </p:clrMapOvr>
+  <mc:AlternateContent xmlns:mc="http://schemas.openxmlformats.org/markup-compatibility/2006" xmlns:p15="http://schemas.microsoft.com/office/powerpoint/2012/main">
+    <mc:Choice Requires="p15">
+      <p:transition xmlns:p14="http://schemas.microsoft.com/office/powerpoint/2010/main" spd="slow" p14:dur="1250">
+        <p15:prstTrans prst="pageCurlDouble"/>
+      </p:transition>
+    </mc:Choice>
+    <mc:Fallback xmlns="">
+      <p:transition spd="slow">
+        <p:fade/>
+      </p:transition>
+    </mc:Fallback>
+  </mc:AlternateContent>
+</p:sld>
+</file>
+
+<file path=ppt/slides/slide6.xml><?xml version="1.0" encoding="utf-8"?>
+<p:sld xmlns:a="http://schemas.openxmlformats.org/drawingml/2006/main" xmlns:r="http://schemas.openxmlformats.org/officeDocument/2006/relationships" xmlns:p="http://schemas.openxmlformats.org/presentationml/2006/main">
+  <p:cSld>
+    <p:spTree>
+      <p:nvGrpSpPr>
+        <p:cNvPr id="1" name=""/>
+        <p:cNvGrpSpPr/>
+        <p:nvPr/>
+      </p:nvGrpSpPr>
+      <p:grpSpPr>
+        <a:xfrm>
+          <a:off x="0" y="0"/>
+          <a:ext cx="0" cy="0"/>
+          <a:chOff x="0" y="0"/>
+          <a:chExt cx="0" cy="0"/>
+        </a:xfrm>
+      </p:grpSpPr>
+      <p:sp>
+        <p:nvSpPr>
+          <p:cNvPr id="7" name="椭圆 6"/>
+          <p:cNvSpPr/>
+          <p:nvPr/>
+        </p:nvSpPr>
+        <p:spPr>
+          <a:xfrm>
+            <a:off x="5030788" y="2676525"/>
+            <a:ext cx="2019300" cy="2019300"/>
+          </a:xfrm>
+          <a:prstGeom prst="ellipse">
+            <a:avLst/>
+          </a:prstGeom>
+          <a:solidFill>
+            <a:srgbClr val="EDEDED"/>
+          </a:solidFill>
+          <a:ln>
+            <a:noFill/>
+          </a:ln>
+        </p:spPr>
+        <p:style>
+          <a:lnRef idx="2">
+            <a:schemeClr val="accent1">
+              <a:shade val="50000"/>
+            </a:schemeClr>
+          </a:lnRef>
+          <a:fillRef idx="1">
+            <a:schemeClr val="accent1"/>
+          </a:fillRef>
+          <a:effectRef idx="0">
+            <a:schemeClr val="accent1"/>
+          </a:effectRef>
+          <a:fontRef idx="minor">
+            <a:schemeClr val="lt1"/>
+          </a:fontRef>
+        </p:style>
+        <p:txBody>
+          <a:bodyPr rtlCol="0" anchor="ctr"/>
+          <a:lstStyle/>
+          <a:p>
+            <a:pPr algn="ctr"/>
+            <a:endParaRPr lang="zh-CN" altLang="en-US"/>
+          </a:p>
+        </p:txBody>
+      </p:sp>
+      <p:sp>
+        <p:nvSpPr>
+          <p:cNvPr id="9" name="文本框 8"/>
+          <p:cNvSpPr txBox="1"/>
+          <p:nvPr/>
+        </p:nvSpPr>
+        <p:spPr>
+          <a:xfrm>
+            <a:off x="1769288" y="3163669"/>
+            <a:ext cx="1775166" cy="646331"/>
+          </a:xfrm>
+          <a:prstGeom prst="rect">
+            <a:avLst/>
+          </a:prstGeom>
+          <a:noFill/>
+        </p:spPr>
+        <p:txBody>
+          <a:bodyPr wrap="none" rtlCol="0">
+            <a:spAutoFit/>
+          </a:bodyPr>
+          <a:lstStyle/>
+          <a:p>
+            <a:r>
+              <a:rPr lang="en-US" altLang="zh-CN" sz="3600" dirty="0">
+                <a:solidFill>
+                  <a:srgbClr val="EDEDED"/>
+                </a:solidFill>
+                <a:latin typeface="Impact" panose="020B0806030902050204" pitchFamily="34" charset="0"/>
+              </a:rPr>
+              <a:t>Part One</a:t>
+            </a:r>
+            <a:endParaRPr lang="zh-CN" altLang="en-US" sz="3600" dirty="0">
+              <a:solidFill>
+                <a:srgbClr val="EDEDED"/>
+              </a:solidFill>
+              <a:latin typeface="Impact" panose="020B0806030902050204" pitchFamily="34" charset="0"/>
+            </a:endParaRPr>
+          </a:p>
+        </p:txBody>
+      </p:sp>
+      <p:sp>
+        <p:nvSpPr>
+          <p:cNvPr id="10" name="文本框 9"/>
+          <p:cNvSpPr txBox="1"/>
+          <p:nvPr/>
+        </p:nvSpPr>
+        <p:spPr>
+          <a:xfrm>
+            <a:off x="1769288" y="5430619"/>
+            <a:ext cx="2137445" cy="646331"/>
+          </a:xfrm>
+          <a:prstGeom prst="rect">
+            <a:avLst/>
+          </a:prstGeom>
+          <a:noFill/>
+        </p:spPr>
+        <p:txBody>
+          <a:bodyPr wrap="none" rtlCol="0">
+            <a:spAutoFit/>
+          </a:bodyPr>
+          <a:lstStyle/>
+          <a:p>
+            <a:r>
+              <a:rPr lang="en-US" altLang="zh-CN" sz="3600" dirty="0">
+                <a:solidFill>
+                  <a:srgbClr val="EDEDED"/>
+                </a:solidFill>
+                <a:latin typeface="Impact" panose="020B0806030902050204" pitchFamily="34" charset="0"/>
+              </a:rPr>
+              <a:t>Part Three</a:t>
+            </a:r>
+            <a:endParaRPr lang="zh-CN" altLang="en-US" sz="3600" dirty="0">
+              <a:solidFill>
+                <a:srgbClr val="EDEDED"/>
+              </a:solidFill>
+              <a:latin typeface="Impact" panose="020B0806030902050204" pitchFamily="34" charset="0"/>
+            </a:endParaRPr>
+          </a:p>
+        </p:txBody>
+      </p:sp>
+      <p:sp>
+        <p:nvSpPr>
+          <p:cNvPr id="11" name="文本框 10"/>
+          <p:cNvSpPr txBox="1"/>
+          <p:nvPr/>
+        </p:nvSpPr>
+        <p:spPr>
+          <a:xfrm>
+            <a:off x="8536422" y="3163669"/>
+            <a:ext cx="1813253" cy="646331"/>
+          </a:xfrm>
+          <a:prstGeom prst="rect">
+            <a:avLst/>
+          </a:prstGeom>
+          <a:noFill/>
+        </p:spPr>
+        <p:txBody>
+          <a:bodyPr wrap="none" rtlCol="0">
+            <a:spAutoFit/>
+          </a:bodyPr>
+          <a:lstStyle/>
+          <a:p>
+            <a:r>
+              <a:rPr lang="en-US" altLang="zh-CN" sz="3600" dirty="0">
+                <a:solidFill>
+                  <a:srgbClr val="EDEDED"/>
+                </a:solidFill>
+                <a:latin typeface="Impact" panose="020B0806030902050204" pitchFamily="34" charset="0"/>
+              </a:rPr>
+              <a:t>Part Two</a:t>
+            </a:r>
+            <a:endParaRPr lang="zh-CN" altLang="en-US" sz="3600" dirty="0">
+              <a:solidFill>
+                <a:srgbClr val="EDEDED"/>
+              </a:solidFill>
+              <a:latin typeface="Impact" panose="020B0806030902050204" pitchFamily="34" charset="0"/>
+            </a:endParaRPr>
+          </a:p>
+        </p:txBody>
+      </p:sp>
+      <p:sp>
+        <p:nvSpPr>
+          <p:cNvPr id="12" name="文本框 11"/>
+          <p:cNvSpPr txBox="1"/>
+          <p:nvPr/>
+        </p:nvSpPr>
+        <p:spPr>
+          <a:xfrm>
+            <a:off x="8536422" y="5449669"/>
+            <a:ext cx="1871346" cy="646331"/>
+          </a:xfrm>
+          <a:prstGeom prst="rect">
+            <a:avLst/>
+          </a:prstGeom>
+          <a:noFill/>
+        </p:spPr>
+        <p:txBody>
+          <a:bodyPr wrap="none" rtlCol="0">
+            <a:spAutoFit/>
+          </a:bodyPr>
+          <a:lstStyle/>
+          <a:p>
+            <a:r>
+              <a:rPr lang="en-US" altLang="zh-CN" sz="3600" dirty="0">
+                <a:solidFill>
+                  <a:srgbClr val="EDEDED"/>
+                </a:solidFill>
+                <a:latin typeface="Impact" panose="020B0806030902050204" pitchFamily="34" charset="0"/>
+              </a:rPr>
+              <a:t>Part Four</a:t>
+            </a:r>
+            <a:endParaRPr lang="zh-CN" altLang="en-US" sz="3600" dirty="0">
+              <a:solidFill>
+                <a:srgbClr val="EDEDED"/>
+              </a:solidFill>
+              <a:latin typeface="Impact" panose="020B0806030902050204" pitchFamily="34" charset="0"/>
+            </a:endParaRPr>
+          </a:p>
+        </p:txBody>
+      </p:sp>
+      <p:sp>
+        <p:nvSpPr>
+          <p:cNvPr id="37" name="矩形 36">
+            <a:extLst>
+              <a:ext uri="{FF2B5EF4-FFF2-40B4-BE49-F238E27FC236}">
+                <a16:creationId xmlns:a16="http://schemas.microsoft.com/office/drawing/2014/main" id="{CEBA7907-40E6-4C98-AE9A-FF5958CDD8CB}"/>
+              </a:ext>
+            </a:extLst>
+          </p:cNvPr>
+          <p:cNvSpPr/>
+          <p:nvPr/>
+        </p:nvSpPr>
+        <p:spPr>
+          <a:xfrm>
+            <a:off x="0" y="0"/>
+            <a:ext cx="3593068" cy="775277"/>
+          </a:xfrm>
+          <a:prstGeom prst="rect">
+            <a:avLst/>
+          </a:prstGeom>
+          <a:solidFill>
+            <a:schemeClr val="tx2">
+              <a:lumMod val="75000"/>
+            </a:schemeClr>
+          </a:solidFill>
+          <a:ln>
+            <a:noFill/>
+          </a:ln>
+        </p:spPr>
+        <p:style>
+          <a:lnRef idx="2">
+            <a:schemeClr val="accent1">
+              <a:shade val="50000"/>
+            </a:schemeClr>
+          </a:lnRef>
+          <a:fillRef idx="1">
+            <a:schemeClr val="accent1"/>
+          </a:fillRef>
+          <a:effectRef idx="0">
+            <a:schemeClr val="accent1"/>
+          </a:effectRef>
+          <a:fontRef idx="minor">
+            <a:schemeClr val="lt1"/>
+          </a:fontRef>
+        </p:style>
+        <p:txBody>
+          <a:bodyPr lIns="0" tIns="0" rIns="0" bIns="0" anchor="ctr"/>
+          <a:lstStyle/>
+          <a:p>
+            <a:pPr>
+              <a:defRPr/>
+            </a:pPr>
+            <a:r>
+              <a:rPr lang="zh-CN" altLang="en-US" sz="3200" spc="200" dirty="0">
+                <a:solidFill>
+                  <a:srgbClr val="FFFFFF"/>
+                </a:solidFill>
+                <a:effectLst>
+                  <a:outerShdw blurRad="50800" dist="38100" algn="l" rotWithShape="0">
+                    <a:prstClr val="black">
+                      <a:alpha val="40000"/>
+                    </a:prstClr>
+                  </a:outerShdw>
+                </a:effectLst>
+                <a:latin typeface="微软雅黑" panose="020B0503020204020204" pitchFamily="34" charset="-122"/>
+                <a:ea typeface="微软雅黑" panose="020B0503020204020204" pitchFamily="34" charset="-122"/>
+              </a:rPr>
+              <a:t>    </a:t>
+            </a:r>
+            <a:r>
+              <a:rPr lang="en-US" altLang="zh-CN" sz="3200" spc="200" dirty="0">
+                <a:solidFill>
+                  <a:srgbClr val="FFFFFF"/>
+                </a:solidFill>
+                <a:effectLst>
+                  <a:outerShdw blurRad="50800" dist="38100" algn="l" rotWithShape="0">
+                    <a:prstClr val="black">
+                      <a:alpha val="40000"/>
+                    </a:prstClr>
+                  </a:outerShdw>
+                </a:effectLst>
+                <a:latin typeface="微软雅黑" panose="020B0503020204020204" pitchFamily="34" charset="-122"/>
+                <a:ea typeface="微软雅黑" panose="020B0503020204020204" pitchFamily="34" charset="-122"/>
+              </a:rPr>
+              <a:t>UI</a:t>
+            </a:r>
+            <a:r>
+              <a:rPr lang="zh-CN" altLang="en-US" sz="3200" spc="200" dirty="0">
+                <a:solidFill>
+                  <a:srgbClr val="FFFFFF"/>
+                </a:solidFill>
+                <a:effectLst>
+                  <a:outerShdw blurRad="50800" dist="38100" algn="l" rotWithShape="0">
+                    <a:prstClr val="black">
+                      <a:alpha val="40000"/>
+                    </a:prstClr>
+                  </a:outerShdw>
+                </a:effectLst>
+                <a:latin typeface="微软雅黑" panose="020B0503020204020204" pitchFamily="34" charset="-122"/>
+                <a:ea typeface="微软雅黑" panose="020B0503020204020204" pitchFamily="34" charset="-122"/>
+              </a:rPr>
+              <a:t>状态管理</a:t>
+            </a:r>
+            <a:endParaRPr lang="zh-CN" altLang="en-US" sz="2800" spc="200" dirty="0">
+              <a:solidFill>
+                <a:srgbClr val="FFFFFF"/>
+              </a:solidFill>
+              <a:effectLst>
+                <a:outerShdw blurRad="38100" dist="38100" dir="2700000" algn="tl">
+                  <a:srgbClr val="000000">
+                    <a:alpha val="43137"/>
+                  </a:srgbClr>
+                </a:outerShdw>
+              </a:effectLst>
+              <a:latin typeface="微软雅黑" panose="020B0503020204020204" pitchFamily="34" charset="-122"/>
+              <a:ea typeface="微软雅黑" panose="020B0503020204020204" pitchFamily="34" charset="-122"/>
+            </a:endParaRPr>
+          </a:p>
+        </p:txBody>
+      </p:sp>
+      <p:sp>
+        <p:nvSpPr>
+          <p:cNvPr id="38" name="直角三角形 37">
+            <a:extLst>
+              <a:ext uri="{FF2B5EF4-FFF2-40B4-BE49-F238E27FC236}">
+                <a16:creationId xmlns:a16="http://schemas.microsoft.com/office/drawing/2014/main" id="{93806DC8-3D06-4DEF-A161-697CC3798AA3}"/>
+              </a:ext>
+            </a:extLst>
+          </p:cNvPr>
+          <p:cNvSpPr/>
+          <p:nvPr/>
+        </p:nvSpPr>
+        <p:spPr>
+          <a:xfrm>
+            <a:off x="3593068" y="-4040"/>
+            <a:ext cx="853701" cy="779317"/>
+          </a:xfrm>
+          <a:prstGeom prst="rtTriangle">
+            <a:avLst/>
+          </a:prstGeom>
+          <a:solidFill>
+            <a:schemeClr val="tx1">
+              <a:lumMod val="50000"/>
+              <a:lumOff val="50000"/>
+            </a:schemeClr>
+          </a:solidFill>
+          <a:ln>
+            <a:noFill/>
+          </a:ln>
+        </p:spPr>
+        <p:style>
+          <a:lnRef idx="2">
+            <a:schemeClr val="accent1">
+              <a:shade val="50000"/>
+            </a:schemeClr>
+          </a:lnRef>
+          <a:fillRef idx="1">
+            <a:schemeClr val="accent1"/>
+          </a:fillRef>
+          <a:effectRef idx="0">
+            <a:schemeClr val="accent1"/>
+          </a:effectRef>
+          <a:fontRef idx="minor">
+            <a:schemeClr val="lt1"/>
+          </a:fontRef>
+        </p:style>
+        <p:txBody>
+          <a:bodyPr anchor="ctr"/>
+          <a:lstStyle/>
+          <a:p>
+            <a:pPr algn="ctr">
+              <a:defRPr/>
+            </a:pPr>
+            <a:endParaRPr lang="zh-CN" altLang="en-US">
+              <a:solidFill>
+                <a:prstClr val="white"/>
+              </a:solidFill>
+            </a:endParaRPr>
+          </a:p>
+        </p:txBody>
+      </p:sp>
+      <p:pic>
+        <p:nvPicPr>
+          <p:cNvPr id="3" name="图片 2">
+            <a:extLst>
+              <a:ext uri="{FF2B5EF4-FFF2-40B4-BE49-F238E27FC236}">
+                <a16:creationId xmlns:a16="http://schemas.microsoft.com/office/drawing/2014/main" id="{64E05F0E-4FD5-4CBC-955A-C98139AF548A}"/>
+              </a:ext>
+            </a:extLst>
+          </p:cNvPr>
+          <p:cNvPicPr>
+            <a:picLocks noChangeAspect="1"/>
+          </p:cNvPicPr>
+          <p:nvPr/>
+        </p:nvPicPr>
+        <p:blipFill>
+          <a:blip r:embed="rId2"/>
+          <a:stretch>
+            <a:fillRect/>
+          </a:stretch>
+        </p:blipFill>
+        <p:spPr>
+          <a:xfrm>
+            <a:off x="4809578" y="112778"/>
+            <a:ext cx="6951381" cy="6632443"/>
+          </a:xfrm>
+          <a:prstGeom prst="rect">
+            <a:avLst/>
+          </a:prstGeom>
+        </p:spPr>
+      </p:pic>
+    </p:spTree>
+    <p:extLst>
+      <p:ext uri="{BB962C8B-B14F-4D97-AF65-F5344CB8AC3E}">
+        <p14:creationId xmlns:p14="http://schemas.microsoft.com/office/powerpoint/2010/main" val="5316087"/>
+      </p:ext>
+    </p:extLst>
+  </p:cSld>
+  <p:clrMapOvr>
+    <a:masterClrMapping/>
+  </p:clrMapOvr>
+  <mc:AlternateContent xmlns:mc="http://schemas.openxmlformats.org/markup-compatibility/2006" xmlns:p15="http://schemas.microsoft.com/office/powerpoint/2012/main">
+    <mc:Choice Requires="p15">
+      <p:transition xmlns:p14="http://schemas.microsoft.com/office/powerpoint/2010/main" spd="slow" p14:dur="1250">
+        <p15:prstTrans prst="pageCurlDouble"/>
+      </p:transition>
+    </mc:Choice>
+    <mc:Fallback xmlns="">
+      <p:transition spd="slow">
+        <p:fade/>
+      </p:transition>
+    </mc:Fallback>
+  </mc:AlternateContent>
+</p:sld>
+</file>
+
+<file path=ppt/slides/slide7.xml><?xml version="1.0" encoding="utf-8"?>
 <p:sld xmlns:a="http://schemas.openxmlformats.org/drawingml/2006/main" xmlns:r="http://schemas.openxmlformats.org/officeDocument/2006/relationships" xmlns:p="http://schemas.openxmlformats.org/presentationml/2006/main">
   <p:cSld>
     <p:spTree>
@@ -5549,7 +6864,7 @@
 </p:sld>
 </file>
 
-<file path=ppt/slides/slide5.xml><?xml version="1.0" encoding="utf-8"?>
+<file path=ppt/slides/slide8.xml><?xml version="1.0" encoding="utf-8"?>
 <p:sld xmlns:a="http://schemas.openxmlformats.org/drawingml/2006/main" xmlns:r="http://schemas.openxmlformats.org/officeDocument/2006/relationships" xmlns:p="http://schemas.openxmlformats.org/presentationml/2006/main">
   <p:cSld>
     <p:spTree>
@@ -6068,466 +7383,7 @@
 </p:sld>
 </file>
 
-<file path=ppt/slides/slide6.xml><?xml version="1.0" encoding="utf-8"?>
-<p:sld xmlns:a="http://schemas.openxmlformats.org/drawingml/2006/main" xmlns:r="http://schemas.openxmlformats.org/officeDocument/2006/relationships" xmlns:p="http://schemas.openxmlformats.org/presentationml/2006/main">
-  <p:cSld>
-    <p:spTree>
-      <p:nvGrpSpPr>
-        <p:cNvPr id="1" name=""/>
-        <p:cNvGrpSpPr/>
-        <p:nvPr/>
-      </p:nvGrpSpPr>
-      <p:grpSpPr>
-        <a:xfrm>
-          <a:off x="0" y="0"/>
-          <a:ext cx="0" cy="0"/>
-          <a:chOff x="0" y="0"/>
-          <a:chExt cx="0" cy="0"/>
-        </a:xfrm>
-      </p:grpSpPr>
-      <p:sp>
-        <p:nvSpPr>
-          <p:cNvPr id="7" name="椭圆 6"/>
-          <p:cNvSpPr/>
-          <p:nvPr/>
-        </p:nvSpPr>
-        <p:spPr>
-          <a:xfrm>
-            <a:off x="5030788" y="2676525"/>
-            <a:ext cx="2019300" cy="2019300"/>
-          </a:xfrm>
-          <a:prstGeom prst="ellipse">
-            <a:avLst/>
-          </a:prstGeom>
-          <a:solidFill>
-            <a:srgbClr val="EDEDED"/>
-          </a:solidFill>
-          <a:ln>
-            <a:noFill/>
-          </a:ln>
-        </p:spPr>
-        <p:style>
-          <a:lnRef idx="2">
-            <a:schemeClr val="accent1">
-              <a:shade val="50000"/>
-            </a:schemeClr>
-          </a:lnRef>
-          <a:fillRef idx="1">
-            <a:schemeClr val="accent1"/>
-          </a:fillRef>
-          <a:effectRef idx="0">
-            <a:schemeClr val="accent1"/>
-          </a:effectRef>
-          <a:fontRef idx="minor">
-            <a:schemeClr val="lt1"/>
-          </a:fontRef>
-        </p:style>
-        <p:txBody>
-          <a:bodyPr rtlCol="0" anchor="ctr"/>
-          <a:lstStyle/>
-          <a:p>
-            <a:pPr algn="ctr"/>
-            <a:endParaRPr lang="zh-CN" altLang="en-US"/>
-          </a:p>
-        </p:txBody>
-      </p:sp>
-      <p:sp>
-        <p:nvSpPr>
-          <p:cNvPr id="9" name="文本框 8"/>
-          <p:cNvSpPr txBox="1"/>
-          <p:nvPr/>
-        </p:nvSpPr>
-        <p:spPr>
-          <a:xfrm>
-            <a:off x="1769288" y="3163669"/>
-            <a:ext cx="1775166" cy="646331"/>
-          </a:xfrm>
-          <a:prstGeom prst="rect">
-            <a:avLst/>
-          </a:prstGeom>
-          <a:noFill/>
-        </p:spPr>
-        <p:txBody>
-          <a:bodyPr wrap="none" rtlCol="0">
-            <a:spAutoFit/>
-          </a:bodyPr>
-          <a:lstStyle/>
-          <a:p>
-            <a:r>
-              <a:rPr lang="en-US" altLang="zh-CN" sz="3600" dirty="0">
-                <a:solidFill>
-                  <a:srgbClr val="EDEDED"/>
-                </a:solidFill>
-                <a:latin typeface="Impact" panose="020B0806030902050204" pitchFamily="34" charset="0"/>
-              </a:rPr>
-              <a:t>Part One</a:t>
-            </a:r>
-            <a:endParaRPr lang="zh-CN" altLang="en-US" sz="3600" dirty="0">
-              <a:solidFill>
-                <a:srgbClr val="EDEDED"/>
-              </a:solidFill>
-              <a:latin typeface="Impact" panose="020B0806030902050204" pitchFamily="34" charset="0"/>
-            </a:endParaRPr>
-          </a:p>
-        </p:txBody>
-      </p:sp>
-      <p:sp>
-        <p:nvSpPr>
-          <p:cNvPr id="10" name="文本框 9"/>
-          <p:cNvSpPr txBox="1"/>
-          <p:nvPr/>
-        </p:nvSpPr>
-        <p:spPr>
-          <a:xfrm>
-            <a:off x="1769288" y="5430619"/>
-            <a:ext cx="2137445" cy="646331"/>
-          </a:xfrm>
-          <a:prstGeom prst="rect">
-            <a:avLst/>
-          </a:prstGeom>
-          <a:noFill/>
-        </p:spPr>
-        <p:txBody>
-          <a:bodyPr wrap="none" rtlCol="0">
-            <a:spAutoFit/>
-          </a:bodyPr>
-          <a:lstStyle/>
-          <a:p>
-            <a:r>
-              <a:rPr lang="en-US" altLang="zh-CN" sz="3600" dirty="0">
-                <a:solidFill>
-                  <a:srgbClr val="EDEDED"/>
-                </a:solidFill>
-                <a:latin typeface="Impact" panose="020B0806030902050204" pitchFamily="34" charset="0"/>
-              </a:rPr>
-              <a:t>Part Three</a:t>
-            </a:r>
-            <a:endParaRPr lang="zh-CN" altLang="en-US" sz="3600" dirty="0">
-              <a:solidFill>
-                <a:srgbClr val="EDEDED"/>
-              </a:solidFill>
-              <a:latin typeface="Impact" panose="020B0806030902050204" pitchFamily="34" charset="0"/>
-            </a:endParaRPr>
-          </a:p>
-        </p:txBody>
-      </p:sp>
-      <p:sp>
-        <p:nvSpPr>
-          <p:cNvPr id="11" name="文本框 10"/>
-          <p:cNvSpPr txBox="1"/>
-          <p:nvPr/>
-        </p:nvSpPr>
-        <p:spPr>
-          <a:xfrm>
-            <a:off x="8536422" y="3163669"/>
-            <a:ext cx="1813253" cy="646331"/>
-          </a:xfrm>
-          <a:prstGeom prst="rect">
-            <a:avLst/>
-          </a:prstGeom>
-          <a:noFill/>
-        </p:spPr>
-        <p:txBody>
-          <a:bodyPr wrap="none" rtlCol="0">
-            <a:spAutoFit/>
-          </a:bodyPr>
-          <a:lstStyle/>
-          <a:p>
-            <a:r>
-              <a:rPr lang="en-US" altLang="zh-CN" sz="3600" dirty="0">
-                <a:solidFill>
-                  <a:srgbClr val="EDEDED"/>
-                </a:solidFill>
-                <a:latin typeface="Impact" panose="020B0806030902050204" pitchFamily="34" charset="0"/>
-              </a:rPr>
-              <a:t>Part Two</a:t>
-            </a:r>
-            <a:endParaRPr lang="zh-CN" altLang="en-US" sz="3600" dirty="0">
-              <a:solidFill>
-                <a:srgbClr val="EDEDED"/>
-              </a:solidFill>
-              <a:latin typeface="Impact" panose="020B0806030902050204" pitchFamily="34" charset="0"/>
-            </a:endParaRPr>
-          </a:p>
-        </p:txBody>
-      </p:sp>
-      <p:sp>
-        <p:nvSpPr>
-          <p:cNvPr id="12" name="文本框 11"/>
-          <p:cNvSpPr txBox="1"/>
-          <p:nvPr/>
-        </p:nvSpPr>
-        <p:spPr>
-          <a:xfrm>
-            <a:off x="8536422" y="5449669"/>
-            <a:ext cx="1871346" cy="646331"/>
-          </a:xfrm>
-          <a:prstGeom prst="rect">
-            <a:avLst/>
-          </a:prstGeom>
-          <a:noFill/>
-        </p:spPr>
-        <p:txBody>
-          <a:bodyPr wrap="none" rtlCol="0">
-            <a:spAutoFit/>
-          </a:bodyPr>
-          <a:lstStyle/>
-          <a:p>
-            <a:r>
-              <a:rPr lang="en-US" altLang="zh-CN" sz="3600" dirty="0">
-                <a:solidFill>
-                  <a:srgbClr val="EDEDED"/>
-                </a:solidFill>
-                <a:latin typeface="Impact" panose="020B0806030902050204" pitchFamily="34" charset="0"/>
-              </a:rPr>
-              <a:t>Part Four</a:t>
-            </a:r>
-            <a:endParaRPr lang="zh-CN" altLang="en-US" sz="3600" dirty="0">
-              <a:solidFill>
-                <a:srgbClr val="EDEDED"/>
-              </a:solidFill>
-              <a:latin typeface="Impact" panose="020B0806030902050204" pitchFamily="34" charset="0"/>
-            </a:endParaRPr>
-          </a:p>
-        </p:txBody>
-      </p:sp>
-      <p:sp>
-        <p:nvSpPr>
-          <p:cNvPr id="37" name="矩形 36">
-            <a:extLst>
-              <a:ext uri="{FF2B5EF4-FFF2-40B4-BE49-F238E27FC236}">
-                <a16:creationId xmlns:a16="http://schemas.microsoft.com/office/drawing/2014/main" id="{CEBA7907-40E6-4C98-AE9A-FF5958CDD8CB}"/>
-              </a:ext>
-            </a:extLst>
-          </p:cNvPr>
-          <p:cNvSpPr/>
-          <p:nvPr/>
-        </p:nvSpPr>
-        <p:spPr>
-          <a:xfrm>
-            <a:off x="0" y="0"/>
-            <a:ext cx="3593068" cy="775277"/>
-          </a:xfrm>
-          <a:prstGeom prst="rect">
-            <a:avLst/>
-          </a:prstGeom>
-          <a:solidFill>
-            <a:schemeClr val="tx2">
-              <a:lumMod val="75000"/>
-            </a:schemeClr>
-          </a:solidFill>
-          <a:ln>
-            <a:noFill/>
-          </a:ln>
-        </p:spPr>
-        <p:style>
-          <a:lnRef idx="2">
-            <a:schemeClr val="accent1">
-              <a:shade val="50000"/>
-            </a:schemeClr>
-          </a:lnRef>
-          <a:fillRef idx="1">
-            <a:schemeClr val="accent1"/>
-          </a:fillRef>
-          <a:effectRef idx="0">
-            <a:schemeClr val="accent1"/>
-          </a:effectRef>
-          <a:fontRef idx="minor">
-            <a:schemeClr val="lt1"/>
-          </a:fontRef>
-        </p:style>
-        <p:txBody>
-          <a:bodyPr lIns="0" tIns="0" rIns="0" bIns="0" anchor="ctr"/>
-          <a:lstStyle/>
-          <a:p>
-            <a:pPr>
-              <a:defRPr/>
-            </a:pPr>
-            <a:r>
-              <a:rPr lang="zh-CN" altLang="en-US" sz="3200" spc="200" dirty="0">
-                <a:solidFill>
-                  <a:srgbClr val="FFFFFF"/>
-                </a:solidFill>
-                <a:effectLst>
-                  <a:outerShdw blurRad="50800" dist="38100" algn="l" rotWithShape="0">
-                    <a:prstClr val="black">
-                      <a:alpha val="40000"/>
-                    </a:prstClr>
-                  </a:outerShdw>
-                </a:effectLst>
-                <a:latin typeface="微软雅黑" panose="020B0503020204020204" pitchFamily="34" charset="-122"/>
-                <a:ea typeface="微软雅黑" panose="020B0503020204020204" pitchFamily="34" charset="-122"/>
-              </a:rPr>
-              <a:t>    </a:t>
-            </a:r>
-            <a:r>
-              <a:rPr lang="en-US" altLang="zh-CN" sz="3200" spc="200" dirty="0">
-                <a:solidFill>
-                  <a:srgbClr val="FFFFFF"/>
-                </a:solidFill>
-                <a:effectLst>
-                  <a:outerShdw blurRad="50800" dist="38100" algn="l" rotWithShape="0">
-                    <a:prstClr val="black">
-                      <a:alpha val="40000"/>
-                    </a:prstClr>
-                  </a:outerShdw>
-                </a:effectLst>
-                <a:latin typeface="微软雅黑" panose="020B0503020204020204" pitchFamily="34" charset="-122"/>
-                <a:ea typeface="微软雅黑" panose="020B0503020204020204" pitchFamily="34" charset="-122"/>
-              </a:rPr>
-              <a:t>UI</a:t>
-            </a:r>
-            <a:r>
-              <a:rPr lang="zh-CN" altLang="en-US" sz="3200" spc="200" dirty="0">
-                <a:solidFill>
-                  <a:srgbClr val="FFFFFF"/>
-                </a:solidFill>
-                <a:effectLst>
-                  <a:outerShdw blurRad="50800" dist="38100" algn="l" rotWithShape="0">
-                    <a:prstClr val="black">
-                      <a:alpha val="40000"/>
-                    </a:prstClr>
-                  </a:outerShdw>
-                </a:effectLst>
-                <a:latin typeface="微软雅黑" panose="020B0503020204020204" pitchFamily="34" charset="-122"/>
-                <a:ea typeface="微软雅黑" panose="020B0503020204020204" pitchFamily="34" charset="-122"/>
-              </a:rPr>
-              <a:t>状态管理</a:t>
-            </a:r>
-            <a:endParaRPr lang="zh-CN" altLang="en-US" sz="2800" spc="200" dirty="0">
-              <a:solidFill>
-                <a:srgbClr val="FFFFFF"/>
-              </a:solidFill>
-              <a:effectLst>
-                <a:outerShdw blurRad="38100" dist="38100" dir="2700000" algn="tl">
-                  <a:srgbClr val="000000">
-                    <a:alpha val="43137"/>
-                  </a:srgbClr>
-                </a:outerShdw>
-              </a:effectLst>
-              <a:latin typeface="微软雅黑" panose="020B0503020204020204" pitchFamily="34" charset="-122"/>
-              <a:ea typeface="微软雅黑" panose="020B0503020204020204" pitchFamily="34" charset="-122"/>
-            </a:endParaRPr>
-          </a:p>
-        </p:txBody>
-      </p:sp>
-      <p:sp>
-        <p:nvSpPr>
-          <p:cNvPr id="38" name="直角三角形 37">
-            <a:extLst>
-              <a:ext uri="{FF2B5EF4-FFF2-40B4-BE49-F238E27FC236}">
-                <a16:creationId xmlns:a16="http://schemas.microsoft.com/office/drawing/2014/main" id="{93806DC8-3D06-4DEF-A161-697CC3798AA3}"/>
-              </a:ext>
-            </a:extLst>
-          </p:cNvPr>
-          <p:cNvSpPr/>
-          <p:nvPr/>
-        </p:nvSpPr>
-        <p:spPr>
-          <a:xfrm>
-            <a:off x="3593068" y="-4040"/>
-            <a:ext cx="853701" cy="779317"/>
-          </a:xfrm>
-          <a:prstGeom prst="rtTriangle">
-            <a:avLst/>
-          </a:prstGeom>
-          <a:solidFill>
-            <a:schemeClr val="tx1">
-              <a:lumMod val="50000"/>
-              <a:lumOff val="50000"/>
-            </a:schemeClr>
-          </a:solidFill>
-          <a:ln>
-            <a:noFill/>
-          </a:ln>
-        </p:spPr>
-        <p:style>
-          <a:lnRef idx="2">
-            <a:schemeClr val="accent1">
-              <a:shade val="50000"/>
-            </a:schemeClr>
-          </a:lnRef>
-          <a:fillRef idx="1">
-            <a:schemeClr val="accent1"/>
-          </a:fillRef>
-          <a:effectRef idx="0">
-            <a:schemeClr val="accent1"/>
-          </a:effectRef>
-          <a:fontRef idx="minor">
-            <a:schemeClr val="lt1"/>
-          </a:fontRef>
-        </p:style>
-        <p:txBody>
-          <a:bodyPr anchor="ctr"/>
-          <a:lstStyle/>
-          <a:p>
-            <a:pPr algn="ctr">
-              <a:defRPr/>
-            </a:pPr>
-            <a:endParaRPr lang="zh-CN" altLang="en-US">
-              <a:solidFill>
-                <a:prstClr val="white"/>
-              </a:solidFill>
-            </a:endParaRPr>
-          </a:p>
-        </p:txBody>
-      </p:sp>
-      <p:pic>
-        <p:nvPicPr>
-          <p:cNvPr id="3" name="图片 2">
-            <a:extLst>
-              <a:ext uri="{FF2B5EF4-FFF2-40B4-BE49-F238E27FC236}">
-                <a16:creationId xmlns:a16="http://schemas.microsoft.com/office/drawing/2014/main" id="{64E05F0E-4FD5-4CBC-955A-C98139AF548A}"/>
-              </a:ext>
-            </a:extLst>
-          </p:cNvPr>
-          <p:cNvPicPr>
-            <a:picLocks noChangeAspect="1"/>
-          </p:cNvPicPr>
-          <p:nvPr/>
-        </p:nvPicPr>
-        <p:blipFill>
-          <a:blip r:embed="rId2"/>
-          <a:stretch>
-            <a:fillRect/>
-          </a:stretch>
-        </p:blipFill>
-        <p:spPr>
-          <a:xfrm>
-            <a:off x="4809578" y="112778"/>
-            <a:ext cx="6951381" cy="6632443"/>
-          </a:xfrm>
-          <a:prstGeom prst="rect">
-            <a:avLst/>
-          </a:prstGeom>
-        </p:spPr>
-      </p:pic>
-    </p:spTree>
-    <p:extLst>
-      <p:ext uri="{BB962C8B-B14F-4D97-AF65-F5344CB8AC3E}">
-        <p14:creationId xmlns:p14="http://schemas.microsoft.com/office/powerpoint/2010/main" val="3549907864"/>
-      </p:ext>
-    </p:extLst>
-  </p:cSld>
-  <p:clrMapOvr>
-    <a:masterClrMapping/>
-  </p:clrMapOvr>
-  <mc:AlternateContent xmlns:mc="http://schemas.openxmlformats.org/markup-compatibility/2006" xmlns:p15="http://schemas.microsoft.com/office/powerpoint/2012/main">
-    <mc:Choice Requires="p15">
-      <p:transition xmlns:p14="http://schemas.microsoft.com/office/powerpoint/2010/main" spd="slow" p14:dur="1250">
-        <p15:prstTrans prst="pageCurlDouble"/>
-      </p:transition>
-    </mc:Choice>
-    <mc:Fallback xmlns="">
-      <p:transition spd="slow">
-        <p:fade/>
-      </p:transition>
-    </mc:Fallback>
-  </mc:AlternateContent>
-</p:sld>
-</file>
-
-<file path=ppt/slides/slide7.xml><?xml version="1.0" encoding="utf-8"?>
+<file path=ppt/slides/slide9.xml><?xml version="1.0" encoding="utf-8"?>
 <p:sld xmlns:a="http://schemas.openxmlformats.org/drawingml/2006/main" xmlns:r="http://schemas.openxmlformats.org/officeDocument/2006/relationships" xmlns:p="http://schemas.openxmlformats.org/presentationml/2006/main">
   <p:cSld>
     <p:spTree>
